--- a/Fig_Manuscript/Revised/Figure/Fig7_new.pptx
+++ b/Fig_Manuscript/Revised/Figure/Fig7_new.pptx
@@ -1,19 +1,114 @@
 
 <file path=ppt/presentation.xml><?xml version="1.0" encoding="utf-8"?>
-<p:presentation xmlns:a="http://schemas.openxmlformats.org/drawingml/2006/main" xmlns:p="http://schemas.openxmlformats.org/presentationml/2006/main" xmlns:r="http://schemas.openxmlformats.org/officeDocument/2006/relationships" xmlns:p14="http://schemas.microsoft.com/office/powerpoint/2010/main" xmlns:p15="http://schemas.microsoft.com/office/powerpoint/2012/main" xmlns:mc="http://schemas.openxmlformats.org/markup-compatibility/2006">
+<p:presentation xmlns:a="http://schemas.openxmlformats.org/drawingml/2006/main" xmlns:r="http://schemas.openxmlformats.org/officeDocument/2006/relationships" xmlns:p="http://schemas.openxmlformats.org/presentationml/2006/main">
   <p:sldMasterIdLst>
-    <p:sldMasterId id="2147483648" r:id="rId2"/>
+    <p:sldMasterId id="2147483648" r:id="rId1"/>
   </p:sldMasterIdLst>
   <p:sldIdLst>
-    <p:sldId id="256" r:id="rId3"/>
+    <p:sldId id="256" r:id="rId2"/>
   </p:sldIdLst>
   <p:sldSz cx="7200900" cy="10080625"/>
   <p:notesSz cx="7559675" cy="10691813"/>
+  <p:defaultTextStyle>
+    <a:defPPr>
+      <a:defRPr lang="fi-FI"/>
+    </a:defPPr>
+    <a:lvl1pPr marL="0" algn="l" defTabSz="914400" rtl="0" eaLnBrk="1" latinLnBrk="0" hangingPunct="1">
+      <a:defRPr sz="1800" kern="1200">
+        <a:solidFill>
+          <a:schemeClr val="tx1"/>
+        </a:solidFill>
+        <a:latin typeface="+mn-lt"/>
+        <a:ea typeface="+mn-ea"/>
+        <a:cs typeface="+mn-cs"/>
+      </a:defRPr>
+    </a:lvl1pPr>
+    <a:lvl2pPr marL="457200" algn="l" defTabSz="914400" rtl="0" eaLnBrk="1" latinLnBrk="0" hangingPunct="1">
+      <a:defRPr sz="1800" kern="1200">
+        <a:solidFill>
+          <a:schemeClr val="tx1"/>
+        </a:solidFill>
+        <a:latin typeface="+mn-lt"/>
+        <a:ea typeface="+mn-ea"/>
+        <a:cs typeface="+mn-cs"/>
+      </a:defRPr>
+    </a:lvl2pPr>
+    <a:lvl3pPr marL="914400" algn="l" defTabSz="914400" rtl="0" eaLnBrk="1" latinLnBrk="0" hangingPunct="1">
+      <a:defRPr sz="1800" kern="1200">
+        <a:solidFill>
+          <a:schemeClr val="tx1"/>
+        </a:solidFill>
+        <a:latin typeface="+mn-lt"/>
+        <a:ea typeface="+mn-ea"/>
+        <a:cs typeface="+mn-cs"/>
+      </a:defRPr>
+    </a:lvl3pPr>
+    <a:lvl4pPr marL="1371600" algn="l" defTabSz="914400" rtl="0" eaLnBrk="1" latinLnBrk="0" hangingPunct="1">
+      <a:defRPr sz="1800" kern="1200">
+        <a:solidFill>
+          <a:schemeClr val="tx1"/>
+        </a:solidFill>
+        <a:latin typeface="+mn-lt"/>
+        <a:ea typeface="+mn-ea"/>
+        <a:cs typeface="+mn-cs"/>
+      </a:defRPr>
+    </a:lvl4pPr>
+    <a:lvl5pPr marL="1828800" algn="l" defTabSz="914400" rtl="0" eaLnBrk="1" latinLnBrk="0" hangingPunct="1">
+      <a:defRPr sz="1800" kern="1200">
+        <a:solidFill>
+          <a:schemeClr val="tx1"/>
+        </a:solidFill>
+        <a:latin typeface="+mn-lt"/>
+        <a:ea typeface="+mn-ea"/>
+        <a:cs typeface="+mn-cs"/>
+      </a:defRPr>
+    </a:lvl5pPr>
+    <a:lvl6pPr marL="2286000" algn="l" defTabSz="914400" rtl="0" eaLnBrk="1" latinLnBrk="0" hangingPunct="1">
+      <a:defRPr sz="1800" kern="1200">
+        <a:solidFill>
+          <a:schemeClr val="tx1"/>
+        </a:solidFill>
+        <a:latin typeface="+mn-lt"/>
+        <a:ea typeface="+mn-ea"/>
+        <a:cs typeface="+mn-cs"/>
+      </a:defRPr>
+    </a:lvl6pPr>
+    <a:lvl7pPr marL="2743200" algn="l" defTabSz="914400" rtl="0" eaLnBrk="1" latinLnBrk="0" hangingPunct="1">
+      <a:defRPr sz="1800" kern="1200">
+        <a:solidFill>
+          <a:schemeClr val="tx1"/>
+        </a:solidFill>
+        <a:latin typeface="+mn-lt"/>
+        <a:ea typeface="+mn-ea"/>
+        <a:cs typeface="+mn-cs"/>
+      </a:defRPr>
+    </a:lvl7pPr>
+    <a:lvl8pPr marL="3200400" algn="l" defTabSz="914400" rtl="0" eaLnBrk="1" latinLnBrk="0" hangingPunct="1">
+      <a:defRPr sz="1800" kern="1200">
+        <a:solidFill>
+          <a:schemeClr val="tx1"/>
+        </a:solidFill>
+        <a:latin typeface="+mn-lt"/>
+        <a:ea typeface="+mn-ea"/>
+        <a:cs typeface="+mn-cs"/>
+      </a:defRPr>
+    </a:lvl8pPr>
+    <a:lvl9pPr marL="3657600" algn="l" defTabSz="914400" rtl="0" eaLnBrk="1" latinLnBrk="0" hangingPunct="1">
+      <a:defRPr sz="1800" kern="1200">
+        <a:solidFill>
+          <a:schemeClr val="tx1"/>
+        </a:solidFill>
+        <a:latin typeface="+mn-lt"/>
+        <a:ea typeface="+mn-ea"/>
+        <a:cs typeface="+mn-cs"/>
+      </a:defRPr>
+    </a:lvl9pPr>
+  </p:defaultTextStyle>
 </p:presentation>
 </file>
 
 <file path=ppt/slideLayouts/slideLayout1.xml><?xml version="1.0" encoding="utf-8"?>
-<p:sldLayout xmlns:a="http://schemas.openxmlformats.org/drawingml/2006/main" xmlns:p="http://schemas.openxmlformats.org/presentationml/2006/main" xmlns:r="http://schemas.openxmlformats.org/officeDocument/2006/relationships" xmlns:p14="http://schemas.microsoft.com/office/powerpoint/2010/main" xmlns:p15="http://schemas.microsoft.com/office/powerpoint/2012/main" xmlns:mc="http://schemas.openxmlformats.org/markup-compatibility/2006" type="blank" preserve="1">
+<p:sldLayout xmlns:a="http://schemas.openxmlformats.org/drawingml/2006/main" xmlns:r="http://schemas.openxmlformats.org/officeDocument/2006/relationships" xmlns:p="http://schemas.openxmlformats.org/presentationml/2006/main" type="blank" preserve="1">
   <p:cSld name="Blank Slide">
     <p:spTree>
       <p:nvGrpSpPr>
@@ -42,6 +137,7 @@
         <p:spPr/>
         <p:txBody>
           <a:bodyPr/>
+          <a:lstStyle/>
           <a:p>
             <a:r>
               <a:t>Footer</a:t>
@@ -62,10 +158,12 @@
         <p:spPr/>
         <p:txBody>
           <a:bodyPr/>
-          <a:p>
-            <a:fld id="{ADFFA9BC-407C-47BF-8A2F-DD7F57EC2108}" type="slidenum">
-              <a:t>&lt;#&gt;</a:t>
+          <a:lstStyle/>
+          <a:p>
+            <a:fld id="{132952B0-8BBD-465C-A3D6-49ECD0E73611}" type="slidenum">
+              <a:t>‹#›</a:t>
             </a:fld>
+            <a:endParaRPr/>
           </a:p>
         </p:txBody>
       </p:sp>
@@ -82,21 +180,22 @@
         <p:spPr/>
         <p:txBody>
           <a:bodyPr/>
-          <a:p>
-            <a:r>
-              <a:rPr lang="en-GB"/>
-              <a:t/>
-            </a:r>
+          <a:lstStyle/>
+          <a:p>
+            <a:endParaRPr/>
           </a:p>
         </p:txBody>
       </p:sp>
     </p:spTree>
   </p:cSld>
+  <p:clrMapOvr>
+    <a:masterClrMapping/>
+  </p:clrMapOvr>
 </p:sldLayout>
 </file>
 
 <file path=ppt/slideLayouts/slideLayout10.xml><?xml version="1.0" encoding="utf-8"?>
-<p:sldLayout xmlns:a="http://schemas.openxmlformats.org/drawingml/2006/main" xmlns:p="http://schemas.openxmlformats.org/presentationml/2006/main" xmlns:r="http://schemas.openxmlformats.org/officeDocument/2006/relationships" xmlns:p14="http://schemas.microsoft.com/office/powerpoint/2010/main" xmlns:p15="http://schemas.microsoft.com/office/powerpoint/2012/main" xmlns:mc="http://schemas.openxmlformats.org/markup-compatibility/2006" type="objOverTx" preserve="1">
+<p:sldLayout xmlns:a="http://schemas.openxmlformats.org/drawingml/2006/main" xmlns:r="http://schemas.openxmlformats.org/officeDocument/2006/relationships" xmlns:p="http://schemas.openxmlformats.org/presentationml/2006/main" type="objOverTx" preserve="1">
   <p:cSld name="Title, Content over Content">
     <p:spTree>
       <p:nvGrpSpPr>
@@ -136,14 +235,15 @@
           </a:ln>
         </p:spPr>
         <p:txBody>
-          <a:bodyPr lIns="0" rIns="0" tIns="0" bIns="0" anchor="ctr">
+          <a:bodyPr lIns="0" tIns="0" rIns="0" bIns="0" anchor="ctr">
             <a:noAutofit/>
           </a:bodyPr>
-          <a:p>
-            <a:endParaRPr b="0" lang="fi-FI" sz="1800" spc="-1" strike="noStrike">
-              <a:solidFill>
-                <a:srgbClr val="000000"/>
-              </a:solidFill>
+          <a:lstStyle/>
+          <a:p>
+            <a:pPr algn="ctr">
+              <a:buNone/>
+            </a:pPr>
+            <a:endParaRPr lang="en-GB" sz="4400" b="0" strike="noStrike" spc="-1">
               <a:latin typeface="Arial"/>
             </a:endParaRPr>
           </a:p>
@@ -173,23 +273,12 @@
           </a:ln>
         </p:spPr>
         <p:txBody>
-          <a:bodyPr lIns="0" rIns="0" tIns="0" bIns="0" anchor="t">
+          <a:bodyPr lIns="0" tIns="0" rIns="0" bIns="0" anchor="t">
             <a:normAutofit/>
           </a:bodyPr>
-          <a:p>
-            <a:pPr>
-              <a:lnSpc>
-                <a:spcPct val="90000"/>
-              </a:lnSpc>
-              <a:spcBef>
-                <a:spcPts val="1417"/>
-              </a:spcBef>
-              <a:buNone/>
-            </a:pPr>
-            <a:endParaRPr b="0" lang="fi-FI" sz="2810" spc="-1" strike="noStrike">
-              <a:solidFill>
-                <a:srgbClr val="000000"/>
-              </a:solidFill>
+          <a:lstStyle/>
+          <a:p>
+            <a:endParaRPr lang="en-GB" sz="3200" b="0" strike="noStrike" spc="-1">
               <a:latin typeface="Arial"/>
             </a:endParaRPr>
           </a:p>
@@ -219,23 +308,12 @@
           </a:ln>
         </p:spPr>
         <p:txBody>
-          <a:bodyPr lIns="0" rIns="0" tIns="0" bIns="0" anchor="t">
+          <a:bodyPr lIns="0" tIns="0" rIns="0" bIns="0" anchor="t">
             <a:normAutofit/>
           </a:bodyPr>
-          <a:p>
-            <a:pPr>
-              <a:lnSpc>
-                <a:spcPct val="90000"/>
-              </a:lnSpc>
-              <a:spcBef>
-                <a:spcPts val="1417"/>
-              </a:spcBef>
-              <a:buNone/>
-            </a:pPr>
-            <a:endParaRPr b="0" lang="fi-FI" sz="2810" spc="-1" strike="noStrike">
-              <a:solidFill>
-                <a:srgbClr val="000000"/>
-              </a:solidFill>
+          <a:lstStyle/>
+          <a:p>
+            <a:endParaRPr lang="en-GB" sz="3200" b="0" strike="noStrike" spc="-1">
               <a:latin typeface="Arial"/>
             </a:endParaRPr>
           </a:p>
@@ -254,6 +332,7 @@
         <p:spPr/>
         <p:txBody>
           <a:bodyPr/>
+          <a:lstStyle/>
           <a:p>
             <a:r>
               <a:t>Footer</a:t>
@@ -274,10 +353,12 @@
         <p:spPr/>
         <p:txBody>
           <a:bodyPr/>
-          <a:p>
-            <a:fld id="{C58DD688-DFE4-49CF-AF44-1AE659205D33}" type="slidenum">
-              <a:t>&lt;#&gt;</a:t>
+          <a:lstStyle/>
+          <a:p>
+            <a:fld id="{C8EECEFA-1090-4E5A-BBE2-3052DAEC751C}" type="slidenum">
+              <a:t>‹#›</a:t>
             </a:fld>
+            <a:endParaRPr/>
           </a:p>
         </p:txBody>
       </p:sp>
@@ -294,21 +375,22 @@
         <p:spPr/>
         <p:txBody>
           <a:bodyPr/>
-          <a:p>
-            <a:r>
-              <a:rPr lang="en-GB"/>
-              <a:t/>
-            </a:r>
+          <a:lstStyle/>
+          <a:p>
+            <a:endParaRPr/>
           </a:p>
         </p:txBody>
       </p:sp>
     </p:spTree>
   </p:cSld>
+  <p:clrMapOvr>
+    <a:masterClrMapping/>
+  </p:clrMapOvr>
 </p:sldLayout>
 </file>
 
 <file path=ppt/slideLayouts/slideLayout11.xml><?xml version="1.0" encoding="utf-8"?>
-<p:sldLayout xmlns:a="http://schemas.openxmlformats.org/drawingml/2006/main" xmlns:p="http://schemas.openxmlformats.org/presentationml/2006/main" xmlns:r="http://schemas.openxmlformats.org/officeDocument/2006/relationships" xmlns:p14="http://schemas.microsoft.com/office/powerpoint/2010/main" xmlns:p15="http://schemas.microsoft.com/office/powerpoint/2012/main" xmlns:mc="http://schemas.openxmlformats.org/markup-compatibility/2006" type="fourObj" preserve="1">
+<p:sldLayout xmlns:a="http://schemas.openxmlformats.org/drawingml/2006/main" xmlns:r="http://schemas.openxmlformats.org/officeDocument/2006/relationships" xmlns:p="http://schemas.openxmlformats.org/presentationml/2006/main" type="fourObj" preserve="1">
   <p:cSld name="Title, 4 Content">
     <p:spTree>
       <p:nvGrpSpPr>
@@ -348,14 +430,15 @@
           </a:ln>
         </p:spPr>
         <p:txBody>
-          <a:bodyPr lIns="0" rIns="0" tIns="0" bIns="0" anchor="ctr">
+          <a:bodyPr lIns="0" tIns="0" rIns="0" bIns="0" anchor="ctr">
             <a:noAutofit/>
           </a:bodyPr>
-          <a:p>
-            <a:endParaRPr b="0" lang="fi-FI" sz="1800" spc="-1" strike="noStrike">
-              <a:solidFill>
-                <a:srgbClr val="000000"/>
-              </a:solidFill>
+          <a:lstStyle/>
+          <a:p>
+            <a:pPr algn="ctr">
+              <a:buNone/>
+            </a:pPr>
+            <a:endParaRPr lang="en-GB" sz="4400" b="0" strike="noStrike" spc="-1">
               <a:latin typeface="Arial"/>
             </a:endParaRPr>
           </a:p>
@@ -385,23 +468,12 @@
           </a:ln>
         </p:spPr>
         <p:txBody>
-          <a:bodyPr lIns="0" rIns="0" tIns="0" bIns="0" anchor="t">
+          <a:bodyPr lIns="0" tIns="0" rIns="0" bIns="0" anchor="t">
             <a:normAutofit/>
           </a:bodyPr>
-          <a:p>
-            <a:pPr>
-              <a:lnSpc>
-                <a:spcPct val="90000"/>
-              </a:lnSpc>
-              <a:spcBef>
-                <a:spcPts val="1417"/>
-              </a:spcBef>
-              <a:buNone/>
-            </a:pPr>
-            <a:endParaRPr b="0" lang="fi-FI" sz="2810" spc="-1" strike="noStrike">
-              <a:solidFill>
-                <a:srgbClr val="000000"/>
-              </a:solidFill>
+          <a:lstStyle/>
+          <a:p>
+            <a:endParaRPr lang="en-GB" sz="3200" b="0" strike="noStrike" spc="-1">
               <a:latin typeface="Arial"/>
             </a:endParaRPr>
           </a:p>
@@ -431,23 +503,12 @@
           </a:ln>
         </p:spPr>
         <p:txBody>
-          <a:bodyPr lIns="0" rIns="0" tIns="0" bIns="0" anchor="t">
+          <a:bodyPr lIns="0" tIns="0" rIns="0" bIns="0" anchor="t">
             <a:normAutofit/>
           </a:bodyPr>
-          <a:p>
-            <a:pPr>
-              <a:lnSpc>
-                <a:spcPct val="90000"/>
-              </a:lnSpc>
-              <a:spcBef>
-                <a:spcPts val="1417"/>
-              </a:spcBef>
-              <a:buNone/>
-            </a:pPr>
-            <a:endParaRPr b="0" lang="fi-FI" sz="2810" spc="-1" strike="noStrike">
-              <a:solidFill>
-                <a:srgbClr val="000000"/>
-              </a:solidFill>
+          <a:lstStyle/>
+          <a:p>
+            <a:endParaRPr lang="en-GB" sz="3200" b="0" strike="noStrike" spc="-1">
               <a:latin typeface="Arial"/>
             </a:endParaRPr>
           </a:p>
@@ -477,23 +538,12 @@
           </a:ln>
         </p:spPr>
         <p:txBody>
-          <a:bodyPr lIns="0" rIns="0" tIns="0" bIns="0" anchor="t">
+          <a:bodyPr lIns="0" tIns="0" rIns="0" bIns="0" anchor="t">
             <a:normAutofit/>
           </a:bodyPr>
-          <a:p>
-            <a:pPr>
-              <a:lnSpc>
-                <a:spcPct val="90000"/>
-              </a:lnSpc>
-              <a:spcBef>
-                <a:spcPts val="1417"/>
-              </a:spcBef>
-              <a:buNone/>
-            </a:pPr>
-            <a:endParaRPr b="0" lang="fi-FI" sz="2810" spc="-1" strike="noStrike">
-              <a:solidFill>
-                <a:srgbClr val="000000"/>
-              </a:solidFill>
+          <a:lstStyle/>
+          <a:p>
+            <a:endParaRPr lang="en-GB" sz="3200" b="0" strike="noStrike" spc="-1">
               <a:latin typeface="Arial"/>
             </a:endParaRPr>
           </a:p>
@@ -523,23 +573,12 @@
           </a:ln>
         </p:spPr>
         <p:txBody>
-          <a:bodyPr lIns="0" rIns="0" tIns="0" bIns="0" anchor="t">
+          <a:bodyPr lIns="0" tIns="0" rIns="0" bIns="0" anchor="t">
             <a:normAutofit/>
           </a:bodyPr>
-          <a:p>
-            <a:pPr>
-              <a:lnSpc>
-                <a:spcPct val="90000"/>
-              </a:lnSpc>
-              <a:spcBef>
-                <a:spcPts val="1417"/>
-              </a:spcBef>
-              <a:buNone/>
-            </a:pPr>
-            <a:endParaRPr b="0" lang="fi-FI" sz="2810" spc="-1" strike="noStrike">
-              <a:solidFill>
-                <a:srgbClr val="000000"/>
-              </a:solidFill>
+          <a:lstStyle/>
+          <a:p>
+            <a:endParaRPr lang="en-GB" sz="3200" b="0" strike="noStrike" spc="-1">
               <a:latin typeface="Arial"/>
             </a:endParaRPr>
           </a:p>
@@ -558,6 +597,7 @@
         <p:spPr/>
         <p:txBody>
           <a:bodyPr/>
+          <a:lstStyle/>
           <a:p>
             <a:r>
               <a:t>Footer</a:t>
@@ -578,10 +618,12 @@
         <p:spPr/>
         <p:txBody>
           <a:bodyPr/>
-          <a:p>
-            <a:fld id="{218C3B69-251B-452E-B0B1-61E1BCBB5B2A}" type="slidenum">
-              <a:t>&lt;#&gt;</a:t>
+          <a:lstStyle/>
+          <a:p>
+            <a:fld id="{D026C359-BD4D-4E15-B1B1-FB50DF40459C}" type="slidenum">
+              <a:t>‹#›</a:t>
             </a:fld>
+            <a:endParaRPr/>
           </a:p>
         </p:txBody>
       </p:sp>
@@ -598,21 +640,22 @@
         <p:spPr/>
         <p:txBody>
           <a:bodyPr/>
-          <a:p>
-            <a:r>
-              <a:rPr lang="en-GB"/>
-              <a:t/>
-            </a:r>
+          <a:lstStyle/>
+          <a:p>
+            <a:endParaRPr/>
           </a:p>
         </p:txBody>
       </p:sp>
     </p:spTree>
   </p:cSld>
+  <p:clrMapOvr>
+    <a:masterClrMapping/>
+  </p:clrMapOvr>
 </p:sldLayout>
 </file>
 
 <file path=ppt/slideLayouts/slideLayout12.xml><?xml version="1.0" encoding="utf-8"?>
-<p:sldLayout xmlns:a="http://schemas.openxmlformats.org/drawingml/2006/main" xmlns:p="http://schemas.openxmlformats.org/presentationml/2006/main" xmlns:r="http://schemas.openxmlformats.org/officeDocument/2006/relationships" xmlns:p14="http://schemas.microsoft.com/office/powerpoint/2010/main" xmlns:p15="http://schemas.microsoft.com/office/powerpoint/2012/main" xmlns:mc="http://schemas.openxmlformats.org/markup-compatibility/2006" type="blank" preserve="1">
+<p:sldLayout xmlns:a="http://schemas.openxmlformats.org/drawingml/2006/main" xmlns:r="http://schemas.openxmlformats.org/officeDocument/2006/relationships" xmlns:p="http://schemas.openxmlformats.org/presentationml/2006/main" type="blank" preserve="1">
   <p:cSld name="Title, 6 Content">
     <p:spTree>
       <p:nvGrpSpPr>
@@ -652,14 +695,15 @@
           </a:ln>
         </p:spPr>
         <p:txBody>
-          <a:bodyPr lIns="0" rIns="0" tIns="0" bIns="0" anchor="ctr">
+          <a:bodyPr lIns="0" tIns="0" rIns="0" bIns="0" anchor="ctr">
             <a:noAutofit/>
           </a:bodyPr>
-          <a:p>
-            <a:endParaRPr b="0" lang="fi-FI" sz="1800" spc="-1" strike="noStrike">
-              <a:solidFill>
-                <a:srgbClr val="000000"/>
-              </a:solidFill>
+          <a:lstStyle/>
+          <a:p>
+            <a:pPr algn="ctr">
+              <a:buNone/>
+            </a:pPr>
+            <a:endParaRPr lang="en-GB" sz="4400" b="0" strike="noStrike" spc="-1">
               <a:latin typeface="Arial"/>
             </a:endParaRPr>
           </a:p>
@@ -689,23 +733,12 @@
           </a:ln>
         </p:spPr>
         <p:txBody>
-          <a:bodyPr lIns="0" rIns="0" tIns="0" bIns="0" anchor="t">
+          <a:bodyPr lIns="0" tIns="0" rIns="0" bIns="0" anchor="t">
             <a:normAutofit/>
           </a:bodyPr>
-          <a:p>
-            <a:pPr>
-              <a:lnSpc>
-                <a:spcPct val="90000"/>
-              </a:lnSpc>
-              <a:spcBef>
-                <a:spcPts val="1417"/>
-              </a:spcBef>
-              <a:buNone/>
-            </a:pPr>
-            <a:endParaRPr b="0" lang="fi-FI" sz="2810" spc="-1" strike="noStrike">
-              <a:solidFill>
-                <a:srgbClr val="000000"/>
-              </a:solidFill>
+          <a:lstStyle/>
+          <a:p>
+            <a:endParaRPr lang="en-GB" sz="3200" b="0" strike="noStrike" spc="-1">
               <a:latin typeface="Arial"/>
             </a:endParaRPr>
           </a:p>
@@ -735,23 +768,12 @@
           </a:ln>
         </p:spPr>
         <p:txBody>
-          <a:bodyPr lIns="0" rIns="0" tIns="0" bIns="0" anchor="t">
+          <a:bodyPr lIns="0" tIns="0" rIns="0" bIns="0" anchor="t">
             <a:normAutofit/>
           </a:bodyPr>
-          <a:p>
-            <a:pPr>
-              <a:lnSpc>
-                <a:spcPct val="90000"/>
-              </a:lnSpc>
-              <a:spcBef>
-                <a:spcPts val="1417"/>
-              </a:spcBef>
-              <a:buNone/>
-            </a:pPr>
-            <a:endParaRPr b="0" lang="fi-FI" sz="2810" spc="-1" strike="noStrike">
-              <a:solidFill>
-                <a:srgbClr val="000000"/>
-              </a:solidFill>
+          <a:lstStyle/>
+          <a:p>
+            <a:endParaRPr lang="en-GB" sz="3200" b="0" strike="noStrike" spc="-1">
               <a:latin typeface="Arial"/>
             </a:endParaRPr>
           </a:p>
@@ -781,23 +803,12 @@
           </a:ln>
         </p:spPr>
         <p:txBody>
-          <a:bodyPr lIns="0" rIns="0" tIns="0" bIns="0" anchor="t">
+          <a:bodyPr lIns="0" tIns="0" rIns="0" bIns="0" anchor="t">
             <a:normAutofit/>
           </a:bodyPr>
-          <a:p>
-            <a:pPr>
-              <a:lnSpc>
-                <a:spcPct val="90000"/>
-              </a:lnSpc>
-              <a:spcBef>
-                <a:spcPts val="1417"/>
-              </a:spcBef>
-              <a:buNone/>
-            </a:pPr>
-            <a:endParaRPr b="0" lang="fi-FI" sz="2810" spc="-1" strike="noStrike">
-              <a:solidFill>
-                <a:srgbClr val="000000"/>
-              </a:solidFill>
+          <a:lstStyle/>
+          <a:p>
+            <a:endParaRPr lang="en-GB" sz="3200" b="0" strike="noStrike" spc="-1">
               <a:latin typeface="Arial"/>
             </a:endParaRPr>
           </a:p>
@@ -827,23 +838,12 @@
           </a:ln>
         </p:spPr>
         <p:txBody>
-          <a:bodyPr lIns="0" rIns="0" tIns="0" bIns="0" anchor="t">
+          <a:bodyPr lIns="0" tIns="0" rIns="0" bIns="0" anchor="t">
             <a:normAutofit/>
           </a:bodyPr>
-          <a:p>
-            <a:pPr>
-              <a:lnSpc>
-                <a:spcPct val="90000"/>
-              </a:lnSpc>
-              <a:spcBef>
-                <a:spcPts val="1417"/>
-              </a:spcBef>
-              <a:buNone/>
-            </a:pPr>
-            <a:endParaRPr b="0" lang="fi-FI" sz="2810" spc="-1" strike="noStrike">
-              <a:solidFill>
-                <a:srgbClr val="000000"/>
-              </a:solidFill>
+          <a:lstStyle/>
+          <a:p>
+            <a:endParaRPr lang="en-GB" sz="3200" b="0" strike="noStrike" spc="-1">
               <a:latin typeface="Arial"/>
             </a:endParaRPr>
           </a:p>
@@ -873,23 +873,12 @@
           </a:ln>
         </p:spPr>
         <p:txBody>
-          <a:bodyPr lIns="0" rIns="0" tIns="0" bIns="0" anchor="t">
+          <a:bodyPr lIns="0" tIns="0" rIns="0" bIns="0" anchor="t">
             <a:normAutofit/>
           </a:bodyPr>
-          <a:p>
-            <a:pPr>
-              <a:lnSpc>
-                <a:spcPct val="90000"/>
-              </a:lnSpc>
-              <a:spcBef>
-                <a:spcPts val="1417"/>
-              </a:spcBef>
-              <a:buNone/>
-            </a:pPr>
-            <a:endParaRPr b="0" lang="fi-FI" sz="2810" spc="-1" strike="noStrike">
-              <a:solidFill>
-                <a:srgbClr val="000000"/>
-              </a:solidFill>
+          <a:lstStyle/>
+          <a:p>
+            <a:endParaRPr lang="en-GB" sz="3200" b="0" strike="noStrike" spc="-1">
               <a:latin typeface="Arial"/>
             </a:endParaRPr>
           </a:p>
@@ -919,23 +908,12 @@
           </a:ln>
         </p:spPr>
         <p:txBody>
-          <a:bodyPr lIns="0" rIns="0" tIns="0" bIns="0" anchor="t">
+          <a:bodyPr lIns="0" tIns="0" rIns="0" bIns="0" anchor="t">
             <a:normAutofit/>
           </a:bodyPr>
-          <a:p>
-            <a:pPr>
-              <a:lnSpc>
-                <a:spcPct val="90000"/>
-              </a:lnSpc>
-              <a:spcBef>
-                <a:spcPts val="1417"/>
-              </a:spcBef>
-              <a:buNone/>
-            </a:pPr>
-            <a:endParaRPr b="0" lang="fi-FI" sz="2810" spc="-1" strike="noStrike">
-              <a:solidFill>
-                <a:srgbClr val="000000"/>
-              </a:solidFill>
+          <a:lstStyle/>
+          <a:p>
+            <a:endParaRPr lang="en-GB" sz="3200" b="0" strike="noStrike" spc="-1">
               <a:latin typeface="Arial"/>
             </a:endParaRPr>
           </a:p>
@@ -954,6 +932,7 @@
         <p:spPr/>
         <p:txBody>
           <a:bodyPr/>
+          <a:lstStyle/>
           <a:p>
             <a:r>
               <a:t>Footer</a:t>
@@ -974,10 +953,12 @@
         <p:spPr/>
         <p:txBody>
           <a:bodyPr/>
-          <a:p>
-            <a:fld id="{24786C7D-B600-4D70-A25E-F1512ED61EC8}" type="slidenum">
-              <a:t>&lt;#&gt;</a:t>
+          <a:lstStyle/>
+          <a:p>
+            <a:fld id="{AE35686F-FD88-4A3B-88A8-3F054E6987C8}" type="slidenum">
+              <a:t>‹#›</a:t>
             </a:fld>
+            <a:endParaRPr/>
           </a:p>
         </p:txBody>
       </p:sp>
@@ -994,21 +975,22 @@
         <p:spPr/>
         <p:txBody>
           <a:bodyPr/>
-          <a:p>
-            <a:r>
-              <a:rPr lang="en-GB"/>
-              <a:t/>
-            </a:r>
+          <a:lstStyle/>
+          <a:p>
+            <a:endParaRPr/>
           </a:p>
         </p:txBody>
       </p:sp>
     </p:spTree>
   </p:cSld>
+  <p:clrMapOvr>
+    <a:masterClrMapping/>
+  </p:clrMapOvr>
 </p:sldLayout>
 </file>
 
 <file path=ppt/slideLayouts/slideLayout2.xml><?xml version="1.0" encoding="utf-8"?>
-<p:sldLayout xmlns:a="http://schemas.openxmlformats.org/drawingml/2006/main" xmlns:p="http://schemas.openxmlformats.org/presentationml/2006/main" xmlns:r="http://schemas.openxmlformats.org/officeDocument/2006/relationships" xmlns:p14="http://schemas.microsoft.com/office/powerpoint/2010/main" xmlns:p15="http://schemas.microsoft.com/office/powerpoint/2012/main" xmlns:mc="http://schemas.openxmlformats.org/markup-compatibility/2006" type="tx" preserve="1">
+<p:sldLayout xmlns:a="http://schemas.openxmlformats.org/drawingml/2006/main" xmlns:r="http://schemas.openxmlformats.org/officeDocument/2006/relationships" xmlns:p="http://schemas.openxmlformats.org/presentationml/2006/main" type="tx" preserve="1">
   <p:cSld name="Title Slide">
     <p:spTree>
       <p:nvGrpSpPr>
@@ -1048,14 +1030,15 @@
           </a:ln>
         </p:spPr>
         <p:txBody>
-          <a:bodyPr lIns="0" rIns="0" tIns="0" bIns="0" anchor="ctr">
+          <a:bodyPr lIns="0" tIns="0" rIns="0" bIns="0" anchor="ctr">
             <a:noAutofit/>
           </a:bodyPr>
-          <a:p>
-            <a:endParaRPr b="0" lang="fi-FI" sz="1800" spc="-1" strike="noStrike">
-              <a:solidFill>
-                <a:srgbClr val="000000"/>
-              </a:solidFill>
+          <a:lstStyle/>
+          <a:p>
+            <a:pPr algn="ctr">
+              <a:buNone/>
+            </a:pPr>
+            <a:endParaRPr lang="en-GB" sz="4400" b="0" strike="noStrike" spc="-1">
               <a:latin typeface="Arial"/>
             </a:endParaRPr>
           </a:p>
@@ -1085,14 +1068,15 @@
           </a:ln>
         </p:spPr>
         <p:txBody>
-          <a:bodyPr lIns="0" rIns="0" tIns="0" bIns="0" anchor="ctr">
+          <a:bodyPr lIns="0" tIns="0" rIns="0" bIns="0" anchor="ctr">
             <a:noAutofit/>
           </a:bodyPr>
+          <a:lstStyle/>
           <a:p>
             <a:pPr algn="ctr">
               <a:buNone/>
             </a:pPr>
-            <a:endParaRPr b="0" lang="en-GB" sz="3200" spc="-1" strike="noStrike">
+            <a:endParaRPr lang="en-GB" sz="3200" b="0" strike="noStrike" spc="-1">
               <a:latin typeface="Arial"/>
             </a:endParaRPr>
           </a:p>
@@ -1111,6 +1095,7 @@
         <p:spPr/>
         <p:txBody>
           <a:bodyPr/>
+          <a:lstStyle/>
           <a:p>
             <a:r>
               <a:t>Footer</a:t>
@@ -1120,7 +1105,7 @@
       </p:sp>
       <p:sp>
         <p:nvSpPr>
-          <p:cNvPr id="5" name="PlaceHolder 4"/>
+          <p:cNvPr id="2" name="PlaceHolder 4"/>
           <p:cNvSpPr>
             <a:spLocks noGrp="1"/>
           </p:cNvSpPr>
@@ -1131,16 +1116,18 @@
         <p:spPr/>
         <p:txBody>
           <a:bodyPr/>
-          <a:p>
-            <a:fld id="{67963944-594E-4D29-8660-C8296FF96301}" type="slidenum">
-              <a:t>&lt;#&gt;</a:t>
+          <a:lstStyle/>
+          <a:p>
+            <a:fld id="{7497B70E-2AC6-4ED1-8230-A417C611EB99}" type="slidenum">
+              <a:t>‹#›</a:t>
             </a:fld>
-          </a:p>
-        </p:txBody>
-      </p:sp>
-      <p:sp>
-        <p:nvSpPr>
-          <p:cNvPr id="6" name="PlaceHolder 5"/>
+            <a:endParaRPr/>
+          </a:p>
+        </p:txBody>
+      </p:sp>
+      <p:sp>
+        <p:nvSpPr>
+          <p:cNvPr id="3" name="PlaceHolder 5"/>
           <p:cNvSpPr>
             <a:spLocks noGrp="1"/>
           </p:cNvSpPr>
@@ -1151,21 +1138,22 @@
         <p:spPr/>
         <p:txBody>
           <a:bodyPr/>
-          <a:p>
-            <a:r>
-              <a:rPr lang="en-GB"/>
-              <a:t/>
-            </a:r>
+          <a:lstStyle/>
+          <a:p>
+            <a:endParaRPr/>
           </a:p>
         </p:txBody>
       </p:sp>
     </p:spTree>
   </p:cSld>
+  <p:clrMapOvr>
+    <a:masterClrMapping/>
+  </p:clrMapOvr>
 </p:sldLayout>
 </file>
 
 <file path=ppt/slideLayouts/slideLayout3.xml><?xml version="1.0" encoding="utf-8"?>
-<p:sldLayout xmlns:a="http://schemas.openxmlformats.org/drawingml/2006/main" xmlns:p="http://schemas.openxmlformats.org/presentationml/2006/main" xmlns:r="http://schemas.openxmlformats.org/officeDocument/2006/relationships" xmlns:p14="http://schemas.microsoft.com/office/powerpoint/2010/main" xmlns:p15="http://schemas.microsoft.com/office/powerpoint/2012/main" xmlns:mc="http://schemas.openxmlformats.org/markup-compatibility/2006" type="obj" preserve="1">
+<p:sldLayout xmlns:a="http://schemas.openxmlformats.org/drawingml/2006/main" xmlns:r="http://schemas.openxmlformats.org/officeDocument/2006/relationships" xmlns:p="http://schemas.openxmlformats.org/presentationml/2006/main" type="obj" preserve="1">
   <p:cSld name="Title, Content">
     <p:spTree>
       <p:nvGrpSpPr>
@@ -1205,14 +1193,15 @@
           </a:ln>
         </p:spPr>
         <p:txBody>
-          <a:bodyPr lIns="0" rIns="0" tIns="0" bIns="0" anchor="ctr">
+          <a:bodyPr lIns="0" tIns="0" rIns="0" bIns="0" anchor="ctr">
             <a:noAutofit/>
           </a:bodyPr>
-          <a:p>
-            <a:endParaRPr b="0" lang="fi-FI" sz="1800" spc="-1" strike="noStrike">
-              <a:solidFill>
-                <a:srgbClr val="000000"/>
-              </a:solidFill>
+          <a:lstStyle/>
+          <a:p>
+            <a:pPr algn="ctr">
+              <a:buNone/>
+            </a:pPr>
+            <a:endParaRPr lang="en-GB" sz="4400" b="0" strike="noStrike" spc="-1">
               <a:latin typeface="Arial"/>
             </a:endParaRPr>
           </a:p>
@@ -1242,23 +1231,12 @@
           </a:ln>
         </p:spPr>
         <p:txBody>
-          <a:bodyPr lIns="0" rIns="0" tIns="0" bIns="0" anchor="t">
+          <a:bodyPr lIns="0" tIns="0" rIns="0" bIns="0" anchor="t">
             <a:normAutofit/>
           </a:bodyPr>
-          <a:p>
-            <a:pPr>
-              <a:lnSpc>
-                <a:spcPct val="90000"/>
-              </a:lnSpc>
-              <a:spcBef>
-                <a:spcPts val="1417"/>
-              </a:spcBef>
-              <a:buNone/>
-            </a:pPr>
-            <a:endParaRPr b="0" lang="fi-FI" sz="2810" spc="-1" strike="noStrike">
-              <a:solidFill>
-                <a:srgbClr val="000000"/>
-              </a:solidFill>
+          <a:lstStyle/>
+          <a:p>
+            <a:endParaRPr lang="en-GB" sz="3200" b="0" strike="noStrike" spc="-1">
               <a:latin typeface="Arial"/>
             </a:endParaRPr>
           </a:p>
@@ -1277,6 +1255,7 @@
         <p:spPr/>
         <p:txBody>
           <a:bodyPr/>
+          <a:lstStyle/>
           <a:p>
             <a:r>
               <a:t>Footer</a:t>
@@ -1297,10 +1276,12 @@
         <p:spPr/>
         <p:txBody>
           <a:bodyPr/>
-          <a:p>
-            <a:fld id="{21F62730-672E-4E69-9CFD-82BF0E8C1EC3}" type="slidenum">
-              <a:t>&lt;#&gt;</a:t>
+          <a:lstStyle/>
+          <a:p>
+            <a:fld id="{FAE6B445-D57E-4B21-8DC6-9752F039A71D}" type="slidenum">
+              <a:t>‹#›</a:t>
             </a:fld>
+            <a:endParaRPr/>
           </a:p>
         </p:txBody>
       </p:sp>
@@ -1317,21 +1298,22 @@
         <p:spPr/>
         <p:txBody>
           <a:bodyPr/>
-          <a:p>
-            <a:r>
-              <a:rPr lang="en-GB"/>
-              <a:t/>
-            </a:r>
+          <a:lstStyle/>
+          <a:p>
+            <a:endParaRPr/>
           </a:p>
         </p:txBody>
       </p:sp>
     </p:spTree>
   </p:cSld>
+  <p:clrMapOvr>
+    <a:masterClrMapping/>
+  </p:clrMapOvr>
 </p:sldLayout>
 </file>
 
 <file path=ppt/slideLayouts/slideLayout4.xml><?xml version="1.0" encoding="utf-8"?>
-<p:sldLayout xmlns:a="http://schemas.openxmlformats.org/drawingml/2006/main" xmlns:p="http://schemas.openxmlformats.org/presentationml/2006/main" xmlns:r="http://schemas.openxmlformats.org/officeDocument/2006/relationships" xmlns:p14="http://schemas.microsoft.com/office/powerpoint/2010/main" xmlns:p15="http://schemas.microsoft.com/office/powerpoint/2012/main" xmlns:mc="http://schemas.openxmlformats.org/markup-compatibility/2006" type="twoObj" preserve="1">
+<p:sldLayout xmlns:a="http://schemas.openxmlformats.org/drawingml/2006/main" xmlns:r="http://schemas.openxmlformats.org/officeDocument/2006/relationships" xmlns:p="http://schemas.openxmlformats.org/presentationml/2006/main" type="twoObj" preserve="1">
   <p:cSld name="Title, 2 Content">
     <p:spTree>
       <p:nvGrpSpPr>
@@ -1371,14 +1353,15 @@
           </a:ln>
         </p:spPr>
         <p:txBody>
-          <a:bodyPr lIns="0" rIns="0" tIns="0" bIns="0" anchor="ctr">
+          <a:bodyPr lIns="0" tIns="0" rIns="0" bIns="0" anchor="ctr">
             <a:noAutofit/>
           </a:bodyPr>
-          <a:p>
-            <a:endParaRPr b="0" lang="fi-FI" sz="1800" spc="-1" strike="noStrike">
-              <a:solidFill>
-                <a:srgbClr val="000000"/>
-              </a:solidFill>
+          <a:lstStyle/>
+          <a:p>
+            <a:pPr algn="ctr">
+              <a:buNone/>
+            </a:pPr>
+            <a:endParaRPr lang="en-GB" sz="4400" b="0" strike="noStrike" spc="-1">
               <a:latin typeface="Arial"/>
             </a:endParaRPr>
           </a:p>
@@ -1408,23 +1391,12 @@
           </a:ln>
         </p:spPr>
         <p:txBody>
-          <a:bodyPr lIns="0" rIns="0" tIns="0" bIns="0" anchor="t">
+          <a:bodyPr lIns="0" tIns="0" rIns="0" bIns="0" anchor="t">
             <a:normAutofit/>
           </a:bodyPr>
-          <a:p>
-            <a:pPr>
-              <a:lnSpc>
-                <a:spcPct val="90000"/>
-              </a:lnSpc>
-              <a:spcBef>
-                <a:spcPts val="1417"/>
-              </a:spcBef>
-              <a:buNone/>
-            </a:pPr>
-            <a:endParaRPr b="0" lang="fi-FI" sz="2810" spc="-1" strike="noStrike">
-              <a:solidFill>
-                <a:srgbClr val="000000"/>
-              </a:solidFill>
+          <a:lstStyle/>
+          <a:p>
+            <a:endParaRPr lang="en-GB" sz="3200" b="0" strike="noStrike" spc="-1">
               <a:latin typeface="Arial"/>
             </a:endParaRPr>
           </a:p>
@@ -1454,23 +1426,12 @@
           </a:ln>
         </p:spPr>
         <p:txBody>
-          <a:bodyPr lIns="0" rIns="0" tIns="0" bIns="0" anchor="t">
+          <a:bodyPr lIns="0" tIns="0" rIns="0" bIns="0" anchor="t">
             <a:normAutofit/>
           </a:bodyPr>
-          <a:p>
-            <a:pPr>
-              <a:lnSpc>
-                <a:spcPct val="90000"/>
-              </a:lnSpc>
-              <a:spcBef>
-                <a:spcPts val="1417"/>
-              </a:spcBef>
-              <a:buNone/>
-            </a:pPr>
-            <a:endParaRPr b="0" lang="fi-FI" sz="2810" spc="-1" strike="noStrike">
-              <a:solidFill>
-                <a:srgbClr val="000000"/>
-              </a:solidFill>
+          <a:lstStyle/>
+          <a:p>
+            <a:endParaRPr lang="en-GB" sz="3200" b="0" strike="noStrike" spc="-1">
               <a:latin typeface="Arial"/>
             </a:endParaRPr>
           </a:p>
@@ -1489,6 +1450,7 @@
         <p:spPr/>
         <p:txBody>
           <a:bodyPr/>
+          <a:lstStyle/>
           <a:p>
             <a:r>
               <a:t>Footer</a:t>
@@ -1509,10 +1471,12 @@
         <p:spPr/>
         <p:txBody>
           <a:bodyPr/>
-          <a:p>
-            <a:fld id="{8BE49997-79D4-48DF-AB7F-2B50E7DEADC4}" type="slidenum">
-              <a:t>&lt;#&gt;</a:t>
+          <a:lstStyle/>
+          <a:p>
+            <a:fld id="{45B70359-8BD4-49D9-93AA-873FC70A750D}" type="slidenum">
+              <a:t>‹#›</a:t>
             </a:fld>
+            <a:endParaRPr/>
           </a:p>
         </p:txBody>
       </p:sp>
@@ -1529,21 +1493,22 @@
         <p:spPr/>
         <p:txBody>
           <a:bodyPr/>
-          <a:p>
-            <a:r>
-              <a:rPr lang="en-GB"/>
-              <a:t/>
-            </a:r>
+          <a:lstStyle/>
+          <a:p>
+            <a:endParaRPr/>
           </a:p>
         </p:txBody>
       </p:sp>
     </p:spTree>
   </p:cSld>
+  <p:clrMapOvr>
+    <a:masterClrMapping/>
+  </p:clrMapOvr>
 </p:sldLayout>
 </file>
 
 <file path=ppt/slideLayouts/slideLayout5.xml><?xml version="1.0" encoding="utf-8"?>
-<p:sldLayout xmlns:a="http://schemas.openxmlformats.org/drawingml/2006/main" xmlns:p="http://schemas.openxmlformats.org/presentationml/2006/main" xmlns:r="http://schemas.openxmlformats.org/officeDocument/2006/relationships" xmlns:p14="http://schemas.microsoft.com/office/powerpoint/2010/main" xmlns:p15="http://schemas.microsoft.com/office/powerpoint/2012/main" xmlns:mc="http://schemas.openxmlformats.org/markup-compatibility/2006" type="titleOnly" preserve="1">
+<p:sldLayout xmlns:a="http://schemas.openxmlformats.org/drawingml/2006/main" xmlns:r="http://schemas.openxmlformats.org/officeDocument/2006/relationships" xmlns:p="http://schemas.openxmlformats.org/presentationml/2006/main" type="titleOnly" preserve="1">
   <p:cSld name="Title Only">
     <p:spTree>
       <p:nvGrpSpPr>
@@ -1583,14 +1548,15 @@
           </a:ln>
         </p:spPr>
         <p:txBody>
-          <a:bodyPr lIns="0" rIns="0" tIns="0" bIns="0" anchor="ctr">
+          <a:bodyPr lIns="0" tIns="0" rIns="0" bIns="0" anchor="ctr">
             <a:noAutofit/>
           </a:bodyPr>
-          <a:p>
-            <a:endParaRPr b="0" lang="fi-FI" sz="1800" spc="-1" strike="noStrike">
-              <a:solidFill>
-                <a:srgbClr val="000000"/>
-              </a:solidFill>
+          <a:lstStyle/>
+          <a:p>
+            <a:pPr algn="ctr">
+              <a:buNone/>
+            </a:pPr>
+            <a:endParaRPr lang="en-GB" sz="4400" b="0" strike="noStrike" spc="-1">
               <a:latin typeface="Arial"/>
             </a:endParaRPr>
           </a:p>
@@ -1609,6 +1575,7 @@
         <p:spPr/>
         <p:txBody>
           <a:bodyPr/>
+          <a:lstStyle/>
           <a:p>
             <a:r>
               <a:t>Footer</a:t>
@@ -1629,10 +1596,12 @@
         <p:spPr/>
         <p:txBody>
           <a:bodyPr/>
-          <a:p>
-            <a:fld id="{CDA5FAD2-A52C-4450-B222-7F40455218D0}" type="slidenum">
-              <a:t>&lt;#&gt;</a:t>
+          <a:lstStyle/>
+          <a:p>
+            <a:fld id="{88A2A690-E9F4-44E0-84EA-CC9D108D920A}" type="slidenum">
+              <a:t>‹#›</a:t>
             </a:fld>
+            <a:endParaRPr/>
           </a:p>
         </p:txBody>
       </p:sp>
@@ -1649,21 +1618,22 @@
         <p:spPr/>
         <p:txBody>
           <a:bodyPr/>
-          <a:p>
-            <a:r>
-              <a:rPr lang="en-GB"/>
-              <a:t/>
-            </a:r>
+          <a:lstStyle/>
+          <a:p>
+            <a:endParaRPr/>
           </a:p>
         </p:txBody>
       </p:sp>
     </p:spTree>
   </p:cSld>
+  <p:clrMapOvr>
+    <a:masterClrMapping/>
+  </p:clrMapOvr>
 </p:sldLayout>
 </file>
 
 <file path=ppt/slideLayouts/slideLayout6.xml><?xml version="1.0" encoding="utf-8"?>
-<p:sldLayout xmlns:a="http://schemas.openxmlformats.org/drawingml/2006/main" xmlns:p="http://schemas.openxmlformats.org/presentationml/2006/main" xmlns:r="http://schemas.openxmlformats.org/officeDocument/2006/relationships" xmlns:p14="http://schemas.microsoft.com/office/powerpoint/2010/main" xmlns:p15="http://schemas.microsoft.com/office/powerpoint/2012/main" xmlns:mc="http://schemas.openxmlformats.org/markup-compatibility/2006" type="objOnly" preserve="1">
+<p:sldLayout xmlns:a="http://schemas.openxmlformats.org/drawingml/2006/main" xmlns:r="http://schemas.openxmlformats.org/officeDocument/2006/relationships" xmlns:p="http://schemas.openxmlformats.org/presentationml/2006/main" type="objOnly" preserve="1">
   <p:cSld name="Centered Text">
     <p:spTree>
       <p:nvGrpSpPr>
@@ -1703,14 +1673,15 @@
           </a:ln>
         </p:spPr>
         <p:txBody>
-          <a:bodyPr lIns="0" rIns="0" tIns="0" bIns="0" anchor="ctr">
+          <a:bodyPr lIns="0" tIns="0" rIns="0" bIns="0" anchor="ctr">
             <a:noAutofit/>
           </a:bodyPr>
+          <a:lstStyle/>
           <a:p>
             <a:pPr algn="ctr">
               <a:buNone/>
             </a:pPr>
-            <a:endParaRPr b="0" lang="en-GB" sz="3200" spc="-1" strike="noStrike">
+            <a:endParaRPr lang="en-GB" sz="3200" b="0" strike="noStrike" spc="-1">
               <a:latin typeface="Arial"/>
             </a:endParaRPr>
           </a:p>
@@ -1729,6 +1700,7 @@
         <p:spPr/>
         <p:txBody>
           <a:bodyPr/>
+          <a:lstStyle/>
           <a:p>
             <a:r>
               <a:t>Footer</a:t>
@@ -1749,10 +1721,12 @@
         <p:spPr/>
         <p:txBody>
           <a:bodyPr/>
-          <a:p>
-            <a:fld id="{5C273F60-3268-4D9E-9314-89251962717D}" type="slidenum">
-              <a:t>&lt;#&gt;</a:t>
+          <a:lstStyle/>
+          <a:p>
+            <a:fld id="{8107F74E-C368-4934-8E61-A3864AFA36DF}" type="slidenum">
+              <a:t>‹#›</a:t>
             </a:fld>
+            <a:endParaRPr/>
           </a:p>
         </p:txBody>
       </p:sp>
@@ -1769,21 +1743,22 @@
         <p:spPr/>
         <p:txBody>
           <a:bodyPr/>
-          <a:p>
-            <a:r>
-              <a:rPr lang="en-GB"/>
-              <a:t/>
-            </a:r>
+          <a:lstStyle/>
+          <a:p>
+            <a:endParaRPr/>
           </a:p>
         </p:txBody>
       </p:sp>
     </p:spTree>
   </p:cSld>
+  <p:clrMapOvr>
+    <a:masterClrMapping/>
+  </p:clrMapOvr>
 </p:sldLayout>
 </file>
 
 <file path=ppt/slideLayouts/slideLayout7.xml><?xml version="1.0" encoding="utf-8"?>
-<p:sldLayout xmlns:a="http://schemas.openxmlformats.org/drawingml/2006/main" xmlns:p="http://schemas.openxmlformats.org/presentationml/2006/main" xmlns:r="http://schemas.openxmlformats.org/officeDocument/2006/relationships" xmlns:p14="http://schemas.microsoft.com/office/powerpoint/2010/main" xmlns:p15="http://schemas.microsoft.com/office/powerpoint/2012/main" xmlns:mc="http://schemas.openxmlformats.org/markup-compatibility/2006" type="twoObjAndObj" preserve="1">
+<p:sldLayout xmlns:a="http://schemas.openxmlformats.org/drawingml/2006/main" xmlns:r="http://schemas.openxmlformats.org/officeDocument/2006/relationships" xmlns:p="http://schemas.openxmlformats.org/presentationml/2006/main" type="twoObjAndObj" preserve="1">
   <p:cSld name="Title, 2 Content and Content">
     <p:spTree>
       <p:nvGrpSpPr>
@@ -1823,14 +1798,15 @@
           </a:ln>
         </p:spPr>
         <p:txBody>
-          <a:bodyPr lIns="0" rIns="0" tIns="0" bIns="0" anchor="ctr">
+          <a:bodyPr lIns="0" tIns="0" rIns="0" bIns="0" anchor="ctr">
             <a:noAutofit/>
           </a:bodyPr>
-          <a:p>
-            <a:endParaRPr b="0" lang="fi-FI" sz="1800" spc="-1" strike="noStrike">
-              <a:solidFill>
-                <a:srgbClr val="000000"/>
-              </a:solidFill>
+          <a:lstStyle/>
+          <a:p>
+            <a:pPr algn="ctr">
+              <a:buNone/>
+            </a:pPr>
+            <a:endParaRPr lang="en-GB" sz="4400" b="0" strike="noStrike" spc="-1">
               <a:latin typeface="Arial"/>
             </a:endParaRPr>
           </a:p>
@@ -1860,23 +1836,12 @@
           </a:ln>
         </p:spPr>
         <p:txBody>
-          <a:bodyPr lIns="0" rIns="0" tIns="0" bIns="0" anchor="t">
+          <a:bodyPr lIns="0" tIns="0" rIns="0" bIns="0" anchor="t">
             <a:normAutofit/>
           </a:bodyPr>
-          <a:p>
-            <a:pPr>
-              <a:lnSpc>
-                <a:spcPct val="90000"/>
-              </a:lnSpc>
-              <a:spcBef>
-                <a:spcPts val="1417"/>
-              </a:spcBef>
-              <a:buNone/>
-            </a:pPr>
-            <a:endParaRPr b="0" lang="fi-FI" sz="2810" spc="-1" strike="noStrike">
-              <a:solidFill>
-                <a:srgbClr val="000000"/>
-              </a:solidFill>
+          <a:lstStyle/>
+          <a:p>
+            <a:endParaRPr lang="en-GB" sz="3200" b="0" strike="noStrike" spc="-1">
               <a:latin typeface="Arial"/>
             </a:endParaRPr>
           </a:p>
@@ -1906,23 +1871,12 @@
           </a:ln>
         </p:spPr>
         <p:txBody>
-          <a:bodyPr lIns="0" rIns="0" tIns="0" bIns="0" anchor="t">
+          <a:bodyPr lIns="0" tIns="0" rIns="0" bIns="0" anchor="t">
             <a:normAutofit/>
           </a:bodyPr>
-          <a:p>
-            <a:pPr>
-              <a:lnSpc>
-                <a:spcPct val="90000"/>
-              </a:lnSpc>
-              <a:spcBef>
-                <a:spcPts val="1417"/>
-              </a:spcBef>
-              <a:buNone/>
-            </a:pPr>
-            <a:endParaRPr b="0" lang="fi-FI" sz="2810" spc="-1" strike="noStrike">
-              <a:solidFill>
-                <a:srgbClr val="000000"/>
-              </a:solidFill>
+          <a:lstStyle/>
+          <a:p>
+            <a:endParaRPr lang="en-GB" sz="3200" b="0" strike="noStrike" spc="-1">
               <a:latin typeface="Arial"/>
             </a:endParaRPr>
           </a:p>
@@ -1952,23 +1906,12 @@
           </a:ln>
         </p:spPr>
         <p:txBody>
-          <a:bodyPr lIns="0" rIns="0" tIns="0" bIns="0" anchor="t">
+          <a:bodyPr lIns="0" tIns="0" rIns="0" bIns="0" anchor="t">
             <a:normAutofit/>
           </a:bodyPr>
-          <a:p>
-            <a:pPr>
-              <a:lnSpc>
-                <a:spcPct val="90000"/>
-              </a:lnSpc>
-              <a:spcBef>
-                <a:spcPts val="1417"/>
-              </a:spcBef>
-              <a:buNone/>
-            </a:pPr>
-            <a:endParaRPr b="0" lang="fi-FI" sz="2810" spc="-1" strike="noStrike">
-              <a:solidFill>
-                <a:srgbClr val="000000"/>
-              </a:solidFill>
+          <a:lstStyle/>
+          <a:p>
+            <a:endParaRPr lang="en-GB" sz="3200" b="0" strike="noStrike" spc="-1">
               <a:latin typeface="Arial"/>
             </a:endParaRPr>
           </a:p>
@@ -1987,6 +1930,7 @@
         <p:spPr/>
         <p:txBody>
           <a:bodyPr/>
+          <a:lstStyle/>
           <a:p>
             <a:r>
               <a:t>Footer</a:t>
@@ -2007,10 +1951,12 @@
         <p:spPr/>
         <p:txBody>
           <a:bodyPr/>
-          <a:p>
-            <a:fld id="{12FBB1DF-F9CC-4F2A-94FB-A43BBC0877BB}" type="slidenum">
-              <a:t>&lt;#&gt;</a:t>
+          <a:lstStyle/>
+          <a:p>
+            <a:fld id="{AA343D9B-DC17-4492-B40D-8612351F840A}" type="slidenum">
+              <a:t>‹#›</a:t>
             </a:fld>
+            <a:endParaRPr/>
           </a:p>
         </p:txBody>
       </p:sp>
@@ -2027,21 +1973,22 @@
         <p:spPr/>
         <p:txBody>
           <a:bodyPr/>
-          <a:p>
-            <a:r>
-              <a:rPr lang="en-GB"/>
-              <a:t/>
-            </a:r>
+          <a:lstStyle/>
+          <a:p>
+            <a:endParaRPr/>
           </a:p>
         </p:txBody>
       </p:sp>
     </p:spTree>
   </p:cSld>
+  <p:clrMapOvr>
+    <a:masterClrMapping/>
+  </p:clrMapOvr>
 </p:sldLayout>
 </file>
 
 <file path=ppt/slideLayouts/slideLayout8.xml><?xml version="1.0" encoding="utf-8"?>
-<p:sldLayout xmlns:a="http://schemas.openxmlformats.org/drawingml/2006/main" xmlns:p="http://schemas.openxmlformats.org/presentationml/2006/main" xmlns:r="http://schemas.openxmlformats.org/officeDocument/2006/relationships" xmlns:p14="http://schemas.microsoft.com/office/powerpoint/2010/main" xmlns:p15="http://schemas.microsoft.com/office/powerpoint/2012/main" xmlns:mc="http://schemas.openxmlformats.org/markup-compatibility/2006" type="objAndTwoObj" preserve="1">
+<p:sldLayout xmlns:a="http://schemas.openxmlformats.org/drawingml/2006/main" xmlns:r="http://schemas.openxmlformats.org/officeDocument/2006/relationships" xmlns:p="http://schemas.openxmlformats.org/presentationml/2006/main" type="objAndTwoObj" preserve="1">
   <p:cSld name="Title Content and 2 Content">
     <p:spTree>
       <p:nvGrpSpPr>
@@ -2081,14 +2028,15 @@
           </a:ln>
         </p:spPr>
         <p:txBody>
-          <a:bodyPr lIns="0" rIns="0" tIns="0" bIns="0" anchor="ctr">
+          <a:bodyPr lIns="0" tIns="0" rIns="0" bIns="0" anchor="ctr">
             <a:noAutofit/>
           </a:bodyPr>
-          <a:p>
-            <a:endParaRPr b="0" lang="fi-FI" sz="1800" spc="-1" strike="noStrike">
-              <a:solidFill>
-                <a:srgbClr val="000000"/>
-              </a:solidFill>
+          <a:lstStyle/>
+          <a:p>
+            <a:pPr algn="ctr">
+              <a:buNone/>
+            </a:pPr>
+            <a:endParaRPr lang="en-GB" sz="4400" b="0" strike="noStrike" spc="-1">
               <a:latin typeface="Arial"/>
             </a:endParaRPr>
           </a:p>
@@ -2118,23 +2066,12 @@
           </a:ln>
         </p:spPr>
         <p:txBody>
-          <a:bodyPr lIns="0" rIns="0" tIns="0" bIns="0" anchor="t">
+          <a:bodyPr lIns="0" tIns="0" rIns="0" bIns="0" anchor="t">
             <a:normAutofit/>
           </a:bodyPr>
-          <a:p>
-            <a:pPr>
-              <a:lnSpc>
-                <a:spcPct val="90000"/>
-              </a:lnSpc>
-              <a:spcBef>
-                <a:spcPts val="1417"/>
-              </a:spcBef>
-              <a:buNone/>
-            </a:pPr>
-            <a:endParaRPr b="0" lang="fi-FI" sz="2810" spc="-1" strike="noStrike">
-              <a:solidFill>
-                <a:srgbClr val="000000"/>
-              </a:solidFill>
+          <a:lstStyle/>
+          <a:p>
+            <a:endParaRPr lang="en-GB" sz="3200" b="0" strike="noStrike" spc="-1">
               <a:latin typeface="Arial"/>
             </a:endParaRPr>
           </a:p>
@@ -2164,23 +2101,12 @@
           </a:ln>
         </p:spPr>
         <p:txBody>
-          <a:bodyPr lIns="0" rIns="0" tIns="0" bIns="0" anchor="t">
+          <a:bodyPr lIns="0" tIns="0" rIns="0" bIns="0" anchor="t">
             <a:normAutofit/>
           </a:bodyPr>
-          <a:p>
-            <a:pPr>
-              <a:lnSpc>
-                <a:spcPct val="90000"/>
-              </a:lnSpc>
-              <a:spcBef>
-                <a:spcPts val="1417"/>
-              </a:spcBef>
-              <a:buNone/>
-            </a:pPr>
-            <a:endParaRPr b="0" lang="fi-FI" sz="2810" spc="-1" strike="noStrike">
-              <a:solidFill>
-                <a:srgbClr val="000000"/>
-              </a:solidFill>
+          <a:lstStyle/>
+          <a:p>
+            <a:endParaRPr lang="en-GB" sz="3200" b="0" strike="noStrike" spc="-1">
               <a:latin typeface="Arial"/>
             </a:endParaRPr>
           </a:p>
@@ -2210,23 +2136,12 @@
           </a:ln>
         </p:spPr>
         <p:txBody>
-          <a:bodyPr lIns="0" rIns="0" tIns="0" bIns="0" anchor="t">
+          <a:bodyPr lIns="0" tIns="0" rIns="0" bIns="0" anchor="t">
             <a:normAutofit/>
           </a:bodyPr>
-          <a:p>
-            <a:pPr>
-              <a:lnSpc>
-                <a:spcPct val="90000"/>
-              </a:lnSpc>
-              <a:spcBef>
-                <a:spcPts val="1417"/>
-              </a:spcBef>
-              <a:buNone/>
-            </a:pPr>
-            <a:endParaRPr b="0" lang="fi-FI" sz="2810" spc="-1" strike="noStrike">
-              <a:solidFill>
-                <a:srgbClr val="000000"/>
-              </a:solidFill>
+          <a:lstStyle/>
+          <a:p>
+            <a:endParaRPr lang="en-GB" sz="3200" b="0" strike="noStrike" spc="-1">
               <a:latin typeface="Arial"/>
             </a:endParaRPr>
           </a:p>
@@ -2245,6 +2160,7 @@
         <p:spPr/>
         <p:txBody>
           <a:bodyPr/>
+          <a:lstStyle/>
           <a:p>
             <a:r>
               <a:t>Footer</a:t>
@@ -2265,10 +2181,12 @@
         <p:spPr/>
         <p:txBody>
           <a:bodyPr/>
-          <a:p>
-            <a:fld id="{1C2DDC4B-B0AB-4681-AB67-A1098F44420A}" type="slidenum">
-              <a:t>&lt;#&gt;</a:t>
+          <a:lstStyle/>
+          <a:p>
+            <a:fld id="{08BF50BB-B39D-4A5F-BCBC-7DF013A6C9A3}" type="slidenum">
+              <a:t>‹#›</a:t>
             </a:fld>
+            <a:endParaRPr/>
           </a:p>
         </p:txBody>
       </p:sp>
@@ -2285,21 +2203,22 @@
         <p:spPr/>
         <p:txBody>
           <a:bodyPr/>
-          <a:p>
-            <a:r>
-              <a:rPr lang="en-GB"/>
-              <a:t/>
-            </a:r>
+          <a:lstStyle/>
+          <a:p>
+            <a:endParaRPr/>
           </a:p>
         </p:txBody>
       </p:sp>
     </p:spTree>
   </p:cSld>
+  <p:clrMapOvr>
+    <a:masterClrMapping/>
+  </p:clrMapOvr>
 </p:sldLayout>
 </file>
 
 <file path=ppt/slideLayouts/slideLayout9.xml><?xml version="1.0" encoding="utf-8"?>
-<p:sldLayout xmlns:a="http://schemas.openxmlformats.org/drawingml/2006/main" xmlns:p="http://schemas.openxmlformats.org/presentationml/2006/main" xmlns:r="http://schemas.openxmlformats.org/officeDocument/2006/relationships" xmlns:p14="http://schemas.microsoft.com/office/powerpoint/2010/main" xmlns:p15="http://schemas.microsoft.com/office/powerpoint/2012/main" xmlns:mc="http://schemas.openxmlformats.org/markup-compatibility/2006" type="twoObjOverTx" preserve="1">
+<p:sldLayout xmlns:a="http://schemas.openxmlformats.org/drawingml/2006/main" xmlns:r="http://schemas.openxmlformats.org/officeDocument/2006/relationships" xmlns:p="http://schemas.openxmlformats.org/presentationml/2006/main" type="twoObjOverTx" preserve="1">
   <p:cSld name="Title, 2 Content over Content">
     <p:spTree>
       <p:nvGrpSpPr>
@@ -2339,14 +2258,15 @@
           </a:ln>
         </p:spPr>
         <p:txBody>
-          <a:bodyPr lIns="0" rIns="0" tIns="0" bIns="0" anchor="ctr">
+          <a:bodyPr lIns="0" tIns="0" rIns="0" bIns="0" anchor="ctr">
             <a:noAutofit/>
           </a:bodyPr>
-          <a:p>
-            <a:endParaRPr b="0" lang="fi-FI" sz="1800" spc="-1" strike="noStrike">
-              <a:solidFill>
-                <a:srgbClr val="000000"/>
-              </a:solidFill>
+          <a:lstStyle/>
+          <a:p>
+            <a:pPr algn="ctr">
+              <a:buNone/>
+            </a:pPr>
+            <a:endParaRPr lang="en-GB" sz="4400" b="0" strike="noStrike" spc="-1">
               <a:latin typeface="Arial"/>
             </a:endParaRPr>
           </a:p>
@@ -2376,23 +2296,12 @@
           </a:ln>
         </p:spPr>
         <p:txBody>
-          <a:bodyPr lIns="0" rIns="0" tIns="0" bIns="0" anchor="t">
+          <a:bodyPr lIns="0" tIns="0" rIns="0" bIns="0" anchor="t">
             <a:normAutofit/>
           </a:bodyPr>
-          <a:p>
-            <a:pPr>
-              <a:lnSpc>
-                <a:spcPct val="90000"/>
-              </a:lnSpc>
-              <a:spcBef>
-                <a:spcPts val="1417"/>
-              </a:spcBef>
-              <a:buNone/>
-            </a:pPr>
-            <a:endParaRPr b="0" lang="fi-FI" sz="2810" spc="-1" strike="noStrike">
-              <a:solidFill>
-                <a:srgbClr val="000000"/>
-              </a:solidFill>
+          <a:lstStyle/>
+          <a:p>
+            <a:endParaRPr lang="en-GB" sz="3200" b="0" strike="noStrike" spc="-1">
               <a:latin typeface="Arial"/>
             </a:endParaRPr>
           </a:p>
@@ -2422,23 +2331,12 @@
           </a:ln>
         </p:spPr>
         <p:txBody>
-          <a:bodyPr lIns="0" rIns="0" tIns="0" bIns="0" anchor="t">
+          <a:bodyPr lIns="0" tIns="0" rIns="0" bIns="0" anchor="t">
             <a:normAutofit/>
           </a:bodyPr>
-          <a:p>
-            <a:pPr>
-              <a:lnSpc>
-                <a:spcPct val="90000"/>
-              </a:lnSpc>
-              <a:spcBef>
-                <a:spcPts val="1417"/>
-              </a:spcBef>
-              <a:buNone/>
-            </a:pPr>
-            <a:endParaRPr b="0" lang="fi-FI" sz="2810" spc="-1" strike="noStrike">
-              <a:solidFill>
-                <a:srgbClr val="000000"/>
-              </a:solidFill>
+          <a:lstStyle/>
+          <a:p>
+            <a:endParaRPr lang="en-GB" sz="3200" b="0" strike="noStrike" spc="-1">
               <a:latin typeface="Arial"/>
             </a:endParaRPr>
           </a:p>
@@ -2468,23 +2366,12 @@
           </a:ln>
         </p:spPr>
         <p:txBody>
-          <a:bodyPr lIns="0" rIns="0" tIns="0" bIns="0" anchor="t">
+          <a:bodyPr lIns="0" tIns="0" rIns="0" bIns="0" anchor="t">
             <a:normAutofit/>
           </a:bodyPr>
-          <a:p>
-            <a:pPr>
-              <a:lnSpc>
-                <a:spcPct val="90000"/>
-              </a:lnSpc>
-              <a:spcBef>
-                <a:spcPts val="1417"/>
-              </a:spcBef>
-              <a:buNone/>
-            </a:pPr>
-            <a:endParaRPr b="0" lang="fi-FI" sz="2810" spc="-1" strike="noStrike">
-              <a:solidFill>
-                <a:srgbClr val="000000"/>
-              </a:solidFill>
+          <a:lstStyle/>
+          <a:p>
+            <a:endParaRPr lang="en-GB" sz="3200" b="0" strike="noStrike" spc="-1">
               <a:latin typeface="Arial"/>
             </a:endParaRPr>
           </a:p>
@@ -2503,6 +2390,7 @@
         <p:spPr/>
         <p:txBody>
           <a:bodyPr/>
+          <a:lstStyle/>
           <a:p>
             <a:r>
               <a:t>Footer</a:t>
@@ -2523,10 +2411,12 @@
         <p:spPr/>
         <p:txBody>
           <a:bodyPr/>
-          <a:p>
-            <a:fld id="{1FCC2C0B-43E0-4946-9E85-40DE1F81D81F}" type="slidenum">
-              <a:t>&lt;#&gt;</a:t>
+          <a:lstStyle/>
+          <a:p>
+            <a:fld id="{22ABB18A-E7B0-454B-B7E1-24FF565C37F0}" type="slidenum">
+              <a:t>‹#›</a:t>
             </a:fld>
+            <a:endParaRPr/>
           </a:p>
         </p:txBody>
       </p:sp>
@@ -2543,27 +2433,29 @@
         <p:spPr/>
         <p:txBody>
           <a:bodyPr/>
-          <a:p>
-            <a:r>
-              <a:rPr lang="en-GB"/>
-              <a:t/>
-            </a:r>
+          <a:lstStyle/>
+          <a:p>
+            <a:endParaRPr/>
           </a:p>
         </p:txBody>
       </p:sp>
     </p:spTree>
   </p:cSld>
+  <p:clrMapOvr>
+    <a:masterClrMapping/>
+  </p:clrMapOvr>
 </p:sldLayout>
 </file>
 
 <file path=ppt/slideMasters/slideMaster1.xml><?xml version="1.0" encoding="utf-8"?>
-<p:sldMaster xmlns:a="http://schemas.openxmlformats.org/drawingml/2006/main" xmlns:p="http://schemas.openxmlformats.org/presentationml/2006/main" xmlns:r="http://schemas.openxmlformats.org/officeDocument/2006/relationships" xmlns:p14="http://schemas.microsoft.com/office/powerpoint/2010/main" xmlns:p15="http://schemas.microsoft.com/office/powerpoint/2012/main" xmlns:mc="http://schemas.openxmlformats.org/markup-compatibility/2006">
+<p:sldMaster xmlns:a="http://schemas.openxmlformats.org/drawingml/2006/main" xmlns:r="http://schemas.openxmlformats.org/officeDocument/2006/relationships" xmlns:p="http://schemas.openxmlformats.org/presentationml/2006/main">
   <p:cSld>
     <p:bg>
       <p:bgPr>
         <a:solidFill>
-          <a:srgbClr val="ffffff"/>
+          <a:srgbClr val="FFFFFF"/>
         </a:solidFill>
+        <a:effectLst/>
       </p:bgPr>
     </p:bg>
     <p:spTree>
@@ -2582,7 +2474,7 @@
       </p:grpSpPr>
       <p:sp>
         <p:nvSpPr>
-          <p:cNvPr id="0" name="PlaceHolder 1"/>
+          <p:cNvPr id="5" name="PlaceHolder 1"/>
           <p:cNvSpPr>
             <a:spLocks noGrp="1"/>
           </p:cNvSpPr>
@@ -2593,7 +2485,7 @@
         <p:spPr>
           <a:xfrm>
             <a:off x="2462760" y="9182520"/>
-            <a:ext cx="2272320" cy="673200"/>
+            <a:ext cx="2271240" cy="672120"/>
           </a:xfrm>
           <a:prstGeom prst="rect">
             <a:avLst/>
@@ -2604,7 +2496,7 @@
           </a:ln>
         </p:spPr>
         <p:txBody>
-          <a:bodyPr lIns="0" rIns="0" tIns="0" bIns="0" anchor="t">
+          <a:bodyPr lIns="0" tIns="0" rIns="0" bIns="0" anchor="t">
             <a:noAutofit/>
           </a:bodyPr>
           <a:lstStyle>
@@ -2613,7 +2505,7 @@
                 <a:spcPct val="100000"/>
               </a:lnSpc>
               <a:buNone/>
-              <a:defRPr b="0" lang="en-GB" sz="560" spc="-4" strike="noStrike">
+              <a:defRPr lang="en-GB" sz="560" b="0" strike="noStrike" spc="-4">
                 <a:solidFill>
                   <a:srgbClr val="000000"/>
                 </a:solidFill>
@@ -2630,7 +2522,7 @@
               <a:buNone/>
             </a:pPr>
             <a:r>
-              <a:rPr b="0" lang="en-GB" sz="560" spc="-4" strike="noStrike">
+              <a:rPr lang="en-GB" sz="560" b="0" strike="noStrike" spc="-4">
                 <a:solidFill>
                   <a:srgbClr val="000000"/>
                 </a:solidFill>
@@ -2639,7 +2531,7 @@
               </a:rPr>
               <a:t>&lt;footer&gt;</a:t>
             </a:r>
-            <a:endParaRPr b="0" lang="en-GB" sz="560" spc="-1" strike="noStrike">
+            <a:endParaRPr lang="en-GB" sz="560" b="0" strike="noStrike" spc="-1">
               <a:latin typeface="Times New Roman"/>
             </a:endParaRPr>
           </a:p>
@@ -2647,7 +2539,7 @@
       </p:sp>
       <p:sp>
         <p:nvSpPr>
-          <p:cNvPr id="1" name="PlaceHolder 2"/>
+          <p:cNvPr id="6" name="PlaceHolder 2"/>
           <p:cNvSpPr>
             <a:spLocks noGrp="1"/>
           </p:cNvSpPr>
@@ -2658,7 +2550,7 @@
         <p:spPr>
           <a:xfrm>
             <a:off x="5162760" y="9182520"/>
-            <a:ext cx="1667520" cy="673200"/>
+            <a:ext cx="1666440" cy="672120"/>
           </a:xfrm>
           <a:prstGeom prst="rect">
             <a:avLst/>
@@ -2669,7 +2561,7 @@
           </a:ln>
         </p:spPr>
         <p:txBody>
-          <a:bodyPr lIns="0" rIns="0" tIns="0" bIns="0" anchor="t">
+          <a:bodyPr lIns="0" tIns="0" rIns="0" bIns="0" anchor="t">
             <a:noAutofit/>
           </a:bodyPr>
           <a:lstStyle>
@@ -2678,7 +2570,7 @@
                 <a:spcPct val="100000"/>
               </a:lnSpc>
               <a:buNone/>
-              <a:defRPr b="0" lang="en-GB" sz="560" spc="-4" strike="noStrike">
+              <a:defRPr lang="en-GB" sz="560" b="0" strike="noStrike" spc="-4">
                 <a:solidFill>
                   <a:srgbClr val="000000"/>
                 </a:solidFill>
@@ -2694,17 +2586,17 @@
               </a:lnSpc>
               <a:buNone/>
             </a:pPr>
-            <a:fld id="{2B8BF7E1-39EC-476E-B6A7-90BCB0A38424}" type="slidenum">
-              <a:rPr b="0" lang="en-GB" sz="560" spc="-4" strike="noStrike">
+            <a:fld id="{524D0E95-471E-4B68-B48E-120FEB7FBE59}" type="slidenum">
+              <a:rPr lang="en-GB" sz="560" b="0" strike="noStrike" spc="-4">
                 <a:solidFill>
                   <a:srgbClr val="000000"/>
                 </a:solidFill>
                 <a:latin typeface="Times New Roman"/>
                 <a:ea typeface="DejaVu Sans"/>
               </a:rPr>
-              <a:t>&lt;number&gt;</a:t>
+              <a:t>‹#›</a:t>
             </a:fld>
-            <a:endParaRPr b="0" lang="en-GB" sz="560" spc="-1" strike="noStrike">
+            <a:endParaRPr lang="en-GB" sz="560" b="0" strike="noStrike" spc="-1">
               <a:latin typeface="Times New Roman"/>
             </a:endParaRPr>
           </a:p>
@@ -2723,7 +2615,7 @@
         <p:spPr>
           <a:xfrm>
             <a:off x="360000" y="9182520"/>
-            <a:ext cx="1667520" cy="673200"/>
+            <a:ext cx="1666440" cy="672120"/>
           </a:xfrm>
           <a:prstGeom prst="rect">
             <a:avLst/>
@@ -2734,26 +2626,23 @@
           </a:ln>
         </p:spPr>
         <p:txBody>
-          <a:bodyPr lIns="0" rIns="0" tIns="0" bIns="0" anchor="t">
+          <a:bodyPr lIns="0" tIns="0" rIns="0" bIns="0" anchor="t">
             <a:noAutofit/>
           </a:bodyPr>
           <a:lstStyle>
             <a:lvl1pPr>
-              <a:defRPr b="0" lang="en-GB" sz="1400" spc="-1" strike="noStrike">
+              <a:defRPr lang="en-GB" sz="1400" b="0" strike="noStrike" spc="-1">
                 <a:latin typeface="Times New Roman"/>
               </a:defRPr>
             </a:lvl1pPr>
           </a:lstStyle>
           <a:p>
             <a:r>
-              <a:rPr b="0" lang="en-GB" sz="1400" spc="-1" strike="noStrike">
+              <a:rPr lang="en-GB" sz="1400" b="0" strike="noStrike" spc="-1">
                 <a:latin typeface="Times New Roman"/>
               </a:rPr>
               <a:t>&lt;date/time&gt;</a:t>
             </a:r>
-            <a:endParaRPr b="0" lang="en-GB" sz="1400" spc="-1" strike="noStrike">
-              <a:latin typeface="Times New Roman"/>
-            </a:endParaRPr>
           </a:p>
         </p:txBody>
       </p:sp>
@@ -2781,25 +2670,20 @@
           </a:ln>
         </p:spPr>
         <p:txBody>
-          <a:bodyPr lIns="0" rIns="0" tIns="0" bIns="0" anchor="ctr">
+          <a:bodyPr lIns="0" tIns="0" rIns="0" bIns="0" anchor="ctr">
             <a:noAutofit/>
           </a:bodyPr>
-          <a:p>
+          <a:lstStyle/>
+          <a:p>
+            <a:pPr algn="ctr">
+              <a:buNone/>
+            </a:pPr>
             <a:r>
-              <a:rPr b="0" lang="fi-FI" sz="1800" spc="-1" strike="noStrike">
-                <a:solidFill>
-                  <a:srgbClr val="000000"/>
-                </a:solidFill>
+              <a:rPr lang="en-GB" sz="4400" b="0" strike="noStrike" spc="-1">
                 <a:latin typeface="Arial"/>
               </a:rPr>
               <a:t>Click to edit the title text format</a:t>
             </a:r>
-            <a:endParaRPr b="0" lang="fi-FI" sz="1800" spc="-1" strike="noStrike">
-              <a:solidFill>
-                <a:srgbClr val="000000"/>
-              </a:solidFill>
-              <a:latin typeface="Arial"/>
-            </a:endParaRPr>
           </a:p>
         </p:txBody>
       </p:sp>
@@ -2827,14 +2711,12 @@
           </a:ln>
         </p:spPr>
         <p:txBody>
-          <a:bodyPr lIns="0" rIns="0" tIns="0" bIns="0" anchor="t">
+          <a:bodyPr lIns="0" tIns="0" rIns="0" bIns="0" anchor="t">
             <a:normAutofit/>
           </a:bodyPr>
+          <a:lstStyle/>
           <a:p>
             <a:pPr marL="432000" indent="-324000">
-              <a:lnSpc>
-                <a:spcPct val="90000"/>
-              </a:lnSpc>
               <a:spcBef>
                 <a:spcPts val="1417"/>
               </a:spcBef>
@@ -2846,26 +2728,14 @@
               <a:buChar char=""/>
             </a:pPr>
             <a:r>
-              <a:rPr b="0" lang="fi-FI" sz="2810" spc="-1" strike="noStrike">
-                <a:solidFill>
-                  <a:srgbClr val="000000"/>
-                </a:solidFill>
+              <a:rPr lang="en-GB" sz="3200" b="0" strike="noStrike" spc="-1">
                 <a:latin typeface="Arial"/>
               </a:rPr>
               <a:t>Click to edit the outline text format</a:t>
             </a:r>
-            <a:endParaRPr b="0" lang="fi-FI" sz="2810" spc="-1" strike="noStrike">
-              <a:solidFill>
-                <a:srgbClr val="000000"/>
-              </a:solidFill>
-              <a:latin typeface="Arial"/>
-            </a:endParaRPr>
-          </a:p>
-          <a:p>
-            <a:pPr lvl="1" marL="864000" indent="-324000">
-              <a:lnSpc>
-                <a:spcPct val="90000"/>
-              </a:lnSpc>
+          </a:p>
+          <a:p>
+            <a:pPr marL="864000" lvl="1" indent="-324000">
               <a:spcBef>
                 <a:spcPts val="1134"/>
               </a:spcBef>
@@ -2877,26 +2747,14 @@
               <a:buChar char=""/>
             </a:pPr>
             <a:r>
-              <a:rPr b="0" lang="fi-FI" sz="2000" spc="-1" strike="noStrike">
-                <a:solidFill>
-                  <a:srgbClr val="000000"/>
-                </a:solidFill>
+              <a:rPr lang="en-GB" sz="2800" b="0" strike="noStrike" spc="-1">
                 <a:latin typeface="Arial"/>
               </a:rPr>
               <a:t>Second Outline Level</a:t>
             </a:r>
-            <a:endParaRPr b="0" lang="fi-FI" sz="2000" spc="-1" strike="noStrike">
-              <a:solidFill>
-                <a:srgbClr val="000000"/>
-              </a:solidFill>
-              <a:latin typeface="Arial"/>
-            </a:endParaRPr>
-          </a:p>
-          <a:p>
-            <a:pPr lvl="2" marL="1296000" indent="-288000">
-              <a:lnSpc>
-                <a:spcPct val="90000"/>
-              </a:lnSpc>
+          </a:p>
+          <a:p>
+            <a:pPr marL="1296000" lvl="2" indent="-288000">
               <a:spcBef>
                 <a:spcPts val="850"/>
               </a:spcBef>
@@ -2908,26 +2766,14 @@
               <a:buChar char=""/>
             </a:pPr>
             <a:r>
-              <a:rPr b="0" lang="fi-FI" sz="1800" spc="-1" strike="noStrike">
-                <a:solidFill>
-                  <a:srgbClr val="000000"/>
-                </a:solidFill>
+              <a:rPr lang="en-GB" sz="2400" b="0" strike="noStrike" spc="-1">
                 <a:latin typeface="Arial"/>
               </a:rPr>
               <a:t>Third Outline Level</a:t>
             </a:r>
-            <a:endParaRPr b="0" lang="fi-FI" sz="1800" spc="-1" strike="noStrike">
-              <a:solidFill>
-                <a:srgbClr val="000000"/>
-              </a:solidFill>
-              <a:latin typeface="Arial"/>
-            </a:endParaRPr>
-          </a:p>
-          <a:p>
-            <a:pPr lvl="3" marL="1728000" indent="-216000">
-              <a:lnSpc>
-                <a:spcPct val="90000"/>
-              </a:lnSpc>
+          </a:p>
+          <a:p>
+            <a:pPr marL="1728000" lvl="3" indent="-216000">
               <a:spcBef>
                 <a:spcPts val="567"/>
               </a:spcBef>
@@ -2939,26 +2785,14 @@
               <a:buChar char=""/>
             </a:pPr>
             <a:r>
-              <a:rPr b="0" lang="fi-FI" sz="1800" spc="-1" strike="noStrike">
-                <a:solidFill>
-                  <a:srgbClr val="000000"/>
-                </a:solidFill>
+              <a:rPr lang="en-GB" sz="2000" b="0" strike="noStrike" spc="-1">
                 <a:latin typeface="Arial"/>
               </a:rPr>
               <a:t>Fourth Outline Level</a:t>
             </a:r>
-            <a:endParaRPr b="0" lang="fi-FI" sz="1800" spc="-1" strike="noStrike">
-              <a:solidFill>
-                <a:srgbClr val="000000"/>
-              </a:solidFill>
-              <a:latin typeface="Arial"/>
-            </a:endParaRPr>
-          </a:p>
-          <a:p>
-            <a:pPr lvl="4" marL="2160000" indent="-216000">
-              <a:lnSpc>
-                <a:spcPct val="90000"/>
-              </a:lnSpc>
+          </a:p>
+          <a:p>
+            <a:pPr marL="2160000" lvl="4" indent="-216000">
               <a:spcBef>
                 <a:spcPts val="283"/>
               </a:spcBef>
@@ -2970,26 +2804,14 @@
               <a:buChar char=""/>
             </a:pPr>
             <a:r>
-              <a:rPr b="0" lang="fi-FI" sz="2000" spc="-1" strike="noStrike">
-                <a:solidFill>
-                  <a:srgbClr val="000000"/>
-                </a:solidFill>
+              <a:rPr lang="en-GB" sz="2000" b="0" strike="noStrike" spc="-1">
                 <a:latin typeface="Arial"/>
               </a:rPr>
               <a:t>Fifth Outline Level</a:t>
             </a:r>
-            <a:endParaRPr b="0" lang="fi-FI" sz="2000" spc="-1" strike="noStrike">
-              <a:solidFill>
-                <a:srgbClr val="000000"/>
-              </a:solidFill>
-              <a:latin typeface="Arial"/>
-            </a:endParaRPr>
-          </a:p>
-          <a:p>
-            <a:pPr lvl="5" marL="2592000" indent="-216000">
-              <a:lnSpc>
-                <a:spcPct val="90000"/>
-              </a:lnSpc>
+          </a:p>
+          <a:p>
+            <a:pPr marL="2592000" lvl="5" indent="-216000">
               <a:spcBef>
                 <a:spcPts val="283"/>
               </a:spcBef>
@@ -3001,26 +2823,14 @@
               <a:buChar char=""/>
             </a:pPr>
             <a:r>
-              <a:rPr b="0" lang="fi-FI" sz="2000" spc="-1" strike="noStrike">
-                <a:solidFill>
-                  <a:srgbClr val="000000"/>
-                </a:solidFill>
+              <a:rPr lang="en-GB" sz="2000" b="0" strike="noStrike" spc="-1">
                 <a:latin typeface="Arial"/>
               </a:rPr>
               <a:t>Sixth Outline Level</a:t>
             </a:r>
-            <a:endParaRPr b="0" lang="fi-FI" sz="2000" spc="-1" strike="noStrike">
-              <a:solidFill>
-                <a:srgbClr val="000000"/>
-              </a:solidFill>
-              <a:latin typeface="Arial"/>
-            </a:endParaRPr>
-          </a:p>
-          <a:p>
-            <a:pPr lvl="6" marL="3024000" indent="-216000">
-              <a:lnSpc>
-                <a:spcPct val="90000"/>
-              </a:lnSpc>
+          </a:p>
+          <a:p>
+            <a:pPr marL="3024000" lvl="6" indent="-216000">
               <a:spcBef>
                 <a:spcPts val="283"/>
               </a:spcBef>
@@ -3032,45 +2842,316 @@
               <a:buChar char=""/>
             </a:pPr>
             <a:r>
-              <a:rPr b="0" lang="fi-FI" sz="2000" spc="-1" strike="noStrike">
-                <a:solidFill>
-                  <a:srgbClr val="000000"/>
-                </a:solidFill>
+              <a:rPr lang="en-GB" sz="2000" b="0" strike="noStrike" spc="-1">
                 <a:latin typeface="Arial"/>
               </a:rPr>
               <a:t>Seventh Outline Level</a:t>
             </a:r>
-            <a:endParaRPr b="0" lang="fi-FI" sz="2000" spc="-1" strike="noStrike">
-              <a:solidFill>
-                <a:srgbClr val="000000"/>
-              </a:solidFill>
-              <a:latin typeface="Arial"/>
-            </a:endParaRPr>
           </a:p>
         </p:txBody>
       </p:sp>
     </p:spTree>
   </p:cSld>
-  <p:clrMap bg1="lt1" bg2="lt2" tx1="dk1" tx2="dk2" accent1="accent1" accent2="accent2" accent3="accent3" accent4="accent4" accent5="accent5" accent6="accent6" hlink="hlink" folHlink="folHlink"/>
+  <p:clrMap bg1="lt1" tx1="dk1" bg2="lt2" tx2="dk2" accent1="accent1" accent2="accent2" accent3="accent3" accent4="accent4" accent5="accent5" accent6="accent6" hlink="hlink" folHlink="folHlink"/>
   <p:sldLayoutIdLst>
-    <p:sldLayoutId id="2147483649" r:id="rId2"/>
-    <p:sldLayoutId id="2147483650" r:id="rId3"/>
-    <p:sldLayoutId id="2147483651" r:id="rId4"/>
-    <p:sldLayoutId id="2147483652" r:id="rId5"/>
-    <p:sldLayoutId id="2147483653" r:id="rId6"/>
-    <p:sldLayoutId id="2147483654" r:id="rId7"/>
-    <p:sldLayoutId id="2147483655" r:id="rId8"/>
-    <p:sldLayoutId id="2147483656" r:id="rId9"/>
-    <p:sldLayoutId id="2147483657" r:id="rId10"/>
-    <p:sldLayoutId id="2147483658" r:id="rId11"/>
-    <p:sldLayoutId id="2147483659" r:id="rId12"/>
-    <p:sldLayoutId id="2147483660" r:id="rId13"/>
+    <p:sldLayoutId id="2147483649" r:id="rId1"/>
+    <p:sldLayoutId id="2147483650" r:id="rId2"/>
+    <p:sldLayoutId id="2147483651" r:id="rId3"/>
+    <p:sldLayoutId id="2147483652" r:id="rId4"/>
+    <p:sldLayoutId id="2147483653" r:id="rId5"/>
+    <p:sldLayoutId id="2147483654" r:id="rId6"/>
+    <p:sldLayoutId id="2147483655" r:id="rId7"/>
+    <p:sldLayoutId id="2147483656" r:id="rId8"/>
+    <p:sldLayoutId id="2147483657" r:id="rId9"/>
+    <p:sldLayoutId id="2147483658" r:id="rId10"/>
+    <p:sldLayoutId id="2147483659" r:id="rId11"/>
+    <p:sldLayoutId id="2147483660" r:id="rId12"/>
   </p:sldLayoutIdLst>
+  <p:txStyles>
+    <p:titleStyle>
+      <a:lvl1pPr algn="l" defTabSz="914400" rtl="0" eaLnBrk="1" latinLnBrk="0" hangingPunct="1">
+        <a:lnSpc>
+          <a:spcPct val="90000"/>
+        </a:lnSpc>
+        <a:spcBef>
+          <a:spcPct val="0"/>
+        </a:spcBef>
+        <a:buNone/>
+        <a:defRPr sz="4400" kern="1200">
+          <a:solidFill>
+            <a:schemeClr val="tx1"/>
+          </a:solidFill>
+          <a:latin typeface="+mj-lt"/>
+          <a:ea typeface="+mj-ea"/>
+          <a:cs typeface="+mj-cs"/>
+        </a:defRPr>
+      </a:lvl1pPr>
+    </p:titleStyle>
+    <p:bodyStyle>
+      <a:lvl1pPr marL="228600" indent="-228600" algn="l" defTabSz="914400" rtl="0" eaLnBrk="1" latinLnBrk="0" hangingPunct="1">
+        <a:lnSpc>
+          <a:spcPct val="90000"/>
+        </a:lnSpc>
+        <a:spcBef>
+          <a:spcPts val="1000"/>
+        </a:spcBef>
+        <a:buFont typeface="Arial" panose="020B0604020202020204" pitchFamily="34" charset="0"/>
+        <a:buChar char="•"/>
+        <a:defRPr sz="2800" kern="1200">
+          <a:solidFill>
+            <a:schemeClr val="tx1"/>
+          </a:solidFill>
+          <a:latin typeface="+mn-lt"/>
+          <a:ea typeface="+mn-ea"/>
+          <a:cs typeface="+mn-cs"/>
+        </a:defRPr>
+      </a:lvl1pPr>
+      <a:lvl2pPr marL="685800" indent="-228600" algn="l" defTabSz="914400" rtl="0" eaLnBrk="1" latinLnBrk="0" hangingPunct="1">
+        <a:lnSpc>
+          <a:spcPct val="90000"/>
+        </a:lnSpc>
+        <a:spcBef>
+          <a:spcPts val="500"/>
+        </a:spcBef>
+        <a:buFont typeface="Arial" panose="020B0604020202020204" pitchFamily="34" charset="0"/>
+        <a:buChar char="•"/>
+        <a:defRPr sz="2400" kern="1200">
+          <a:solidFill>
+            <a:schemeClr val="tx1"/>
+          </a:solidFill>
+          <a:latin typeface="+mn-lt"/>
+          <a:ea typeface="+mn-ea"/>
+          <a:cs typeface="+mn-cs"/>
+        </a:defRPr>
+      </a:lvl2pPr>
+      <a:lvl3pPr marL="1143000" indent="-228600" algn="l" defTabSz="914400" rtl="0" eaLnBrk="1" latinLnBrk="0" hangingPunct="1">
+        <a:lnSpc>
+          <a:spcPct val="90000"/>
+        </a:lnSpc>
+        <a:spcBef>
+          <a:spcPts val="500"/>
+        </a:spcBef>
+        <a:buFont typeface="Arial" panose="020B0604020202020204" pitchFamily="34" charset="0"/>
+        <a:buChar char="•"/>
+        <a:defRPr sz="2000" kern="1200">
+          <a:solidFill>
+            <a:schemeClr val="tx1"/>
+          </a:solidFill>
+          <a:latin typeface="+mn-lt"/>
+          <a:ea typeface="+mn-ea"/>
+          <a:cs typeface="+mn-cs"/>
+        </a:defRPr>
+      </a:lvl3pPr>
+      <a:lvl4pPr marL="1600200" indent="-228600" algn="l" defTabSz="914400" rtl="0" eaLnBrk="1" latinLnBrk="0" hangingPunct="1">
+        <a:lnSpc>
+          <a:spcPct val="90000"/>
+        </a:lnSpc>
+        <a:spcBef>
+          <a:spcPts val="500"/>
+        </a:spcBef>
+        <a:buFont typeface="Arial" panose="020B0604020202020204" pitchFamily="34" charset="0"/>
+        <a:buChar char="•"/>
+        <a:defRPr sz="1800" kern="1200">
+          <a:solidFill>
+            <a:schemeClr val="tx1"/>
+          </a:solidFill>
+          <a:latin typeface="+mn-lt"/>
+          <a:ea typeface="+mn-ea"/>
+          <a:cs typeface="+mn-cs"/>
+        </a:defRPr>
+      </a:lvl4pPr>
+      <a:lvl5pPr marL="2057400" indent="-228600" algn="l" defTabSz="914400" rtl="0" eaLnBrk="1" latinLnBrk="0" hangingPunct="1">
+        <a:lnSpc>
+          <a:spcPct val="90000"/>
+        </a:lnSpc>
+        <a:spcBef>
+          <a:spcPts val="500"/>
+        </a:spcBef>
+        <a:buFont typeface="Arial" panose="020B0604020202020204" pitchFamily="34" charset="0"/>
+        <a:buChar char="•"/>
+        <a:defRPr sz="1800" kern="1200">
+          <a:solidFill>
+            <a:schemeClr val="tx1"/>
+          </a:solidFill>
+          <a:latin typeface="+mn-lt"/>
+          <a:ea typeface="+mn-ea"/>
+          <a:cs typeface="+mn-cs"/>
+        </a:defRPr>
+      </a:lvl5pPr>
+      <a:lvl6pPr marL="2514600" indent="-228600" algn="l" defTabSz="914400" rtl="0" eaLnBrk="1" latinLnBrk="0" hangingPunct="1">
+        <a:lnSpc>
+          <a:spcPct val="90000"/>
+        </a:lnSpc>
+        <a:spcBef>
+          <a:spcPts val="500"/>
+        </a:spcBef>
+        <a:buFont typeface="Arial" panose="020B0604020202020204" pitchFamily="34" charset="0"/>
+        <a:buChar char="•"/>
+        <a:defRPr sz="1800" kern="1200">
+          <a:solidFill>
+            <a:schemeClr val="tx1"/>
+          </a:solidFill>
+          <a:latin typeface="+mn-lt"/>
+          <a:ea typeface="+mn-ea"/>
+          <a:cs typeface="+mn-cs"/>
+        </a:defRPr>
+      </a:lvl6pPr>
+      <a:lvl7pPr marL="2971800" indent="-228600" algn="l" defTabSz="914400" rtl="0" eaLnBrk="1" latinLnBrk="0" hangingPunct="1">
+        <a:lnSpc>
+          <a:spcPct val="90000"/>
+        </a:lnSpc>
+        <a:spcBef>
+          <a:spcPts val="500"/>
+        </a:spcBef>
+        <a:buFont typeface="Arial" panose="020B0604020202020204" pitchFamily="34" charset="0"/>
+        <a:buChar char="•"/>
+        <a:defRPr sz="1800" kern="1200">
+          <a:solidFill>
+            <a:schemeClr val="tx1"/>
+          </a:solidFill>
+          <a:latin typeface="+mn-lt"/>
+          <a:ea typeface="+mn-ea"/>
+          <a:cs typeface="+mn-cs"/>
+        </a:defRPr>
+      </a:lvl7pPr>
+      <a:lvl8pPr marL="3429000" indent="-228600" algn="l" defTabSz="914400" rtl="0" eaLnBrk="1" latinLnBrk="0" hangingPunct="1">
+        <a:lnSpc>
+          <a:spcPct val="90000"/>
+        </a:lnSpc>
+        <a:spcBef>
+          <a:spcPts val="500"/>
+        </a:spcBef>
+        <a:buFont typeface="Arial" panose="020B0604020202020204" pitchFamily="34" charset="0"/>
+        <a:buChar char="•"/>
+        <a:defRPr sz="1800" kern="1200">
+          <a:solidFill>
+            <a:schemeClr val="tx1"/>
+          </a:solidFill>
+          <a:latin typeface="+mn-lt"/>
+          <a:ea typeface="+mn-ea"/>
+          <a:cs typeface="+mn-cs"/>
+        </a:defRPr>
+      </a:lvl8pPr>
+      <a:lvl9pPr marL="3886200" indent="-228600" algn="l" defTabSz="914400" rtl="0" eaLnBrk="1" latinLnBrk="0" hangingPunct="1">
+        <a:lnSpc>
+          <a:spcPct val="90000"/>
+        </a:lnSpc>
+        <a:spcBef>
+          <a:spcPts val="500"/>
+        </a:spcBef>
+        <a:buFont typeface="Arial" panose="020B0604020202020204" pitchFamily="34" charset="0"/>
+        <a:buChar char="•"/>
+        <a:defRPr sz="1800" kern="1200">
+          <a:solidFill>
+            <a:schemeClr val="tx1"/>
+          </a:solidFill>
+          <a:latin typeface="+mn-lt"/>
+          <a:ea typeface="+mn-ea"/>
+          <a:cs typeface="+mn-cs"/>
+        </a:defRPr>
+      </a:lvl9pPr>
+    </p:bodyStyle>
+    <p:otherStyle>
+      <a:defPPr>
+        <a:defRPr lang="fi-FI"/>
+      </a:defPPr>
+      <a:lvl1pPr marL="0" algn="l" defTabSz="914400" rtl="0" eaLnBrk="1" latinLnBrk="0" hangingPunct="1">
+        <a:defRPr sz="1800" kern="1200">
+          <a:solidFill>
+            <a:schemeClr val="tx1"/>
+          </a:solidFill>
+          <a:latin typeface="+mn-lt"/>
+          <a:ea typeface="+mn-ea"/>
+          <a:cs typeface="+mn-cs"/>
+        </a:defRPr>
+      </a:lvl1pPr>
+      <a:lvl2pPr marL="457200" algn="l" defTabSz="914400" rtl="0" eaLnBrk="1" latinLnBrk="0" hangingPunct="1">
+        <a:defRPr sz="1800" kern="1200">
+          <a:solidFill>
+            <a:schemeClr val="tx1"/>
+          </a:solidFill>
+          <a:latin typeface="+mn-lt"/>
+          <a:ea typeface="+mn-ea"/>
+          <a:cs typeface="+mn-cs"/>
+        </a:defRPr>
+      </a:lvl2pPr>
+      <a:lvl3pPr marL="914400" algn="l" defTabSz="914400" rtl="0" eaLnBrk="1" latinLnBrk="0" hangingPunct="1">
+        <a:defRPr sz="1800" kern="1200">
+          <a:solidFill>
+            <a:schemeClr val="tx1"/>
+          </a:solidFill>
+          <a:latin typeface="+mn-lt"/>
+          <a:ea typeface="+mn-ea"/>
+          <a:cs typeface="+mn-cs"/>
+        </a:defRPr>
+      </a:lvl3pPr>
+      <a:lvl4pPr marL="1371600" algn="l" defTabSz="914400" rtl="0" eaLnBrk="1" latinLnBrk="0" hangingPunct="1">
+        <a:defRPr sz="1800" kern="1200">
+          <a:solidFill>
+            <a:schemeClr val="tx1"/>
+          </a:solidFill>
+          <a:latin typeface="+mn-lt"/>
+          <a:ea typeface="+mn-ea"/>
+          <a:cs typeface="+mn-cs"/>
+        </a:defRPr>
+      </a:lvl4pPr>
+      <a:lvl5pPr marL="1828800" algn="l" defTabSz="914400" rtl="0" eaLnBrk="1" latinLnBrk="0" hangingPunct="1">
+        <a:defRPr sz="1800" kern="1200">
+          <a:solidFill>
+            <a:schemeClr val="tx1"/>
+          </a:solidFill>
+          <a:latin typeface="+mn-lt"/>
+          <a:ea typeface="+mn-ea"/>
+          <a:cs typeface="+mn-cs"/>
+        </a:defRPr>
+      </a:lvl5pPr>
+      <a:lvl6pPr marL="2286000" algn="l" defTabSz="914400" rtl="0" eaLnBrk="1" latinLnBrk="0" hangingPunct="1">
+        <a:defRPr sz="1800" kern="1200">
+          <a:solidFill>
+            <a:schemeClr val="tx1"/>
+          </a:solidFill>
+          <a:latin typeface="+mn-lt"/>
+          <a:ea typeface="+mn-ea"/>
+          <a:cs typeface="+mn-cs"/>
+        </a:defRPr>
+      </a:lvl6pPr>
+      <a:lvl7pPr marL="2743200" algn="l" defTabSz="914400" rtl="0" eaLnBrk="1" latinLnBrk="0" hangingPunct="1">
+        <a:defRPr sz="1800" kern="1200">
+          <a:solidFill>
+            <a:schemeClr val="tx1"/>
+          </a:solidFill>
+          <a:latin typeface="+mn-lt"/>
+          <a:ea typeface="+mn-ea"/>
+          <a:cs typeface="+mn-cs"/>
+        </a:defRPr>
+      </a:lvl7pPr>
+      <a:lvl8pPr marL="3200400" algn="l" defTabSz="914400" rtl="0" eaLnBrk="1" latinLnBrk="0" hangingPunct="1">
+        <a:defRPr sz="1800" kern="1200">
+          <a:solidFill>
+            <a:schemeClr val="tx1"/>
+          </a:solidFill>
+          <a:latin typeface="+mn-lt"/>
+          <a:ea typeface="+mn-ea"/>
+          <a:cs typeface="+mn-cs"/>
+        </a:defRPr>
+      </a:lvl8pPr>
+      <a:lvl9pPr marL="3657600" algn="l" defTabSz="914400" rtl="0" eaLnBrk="1" latinLnBrk="0" hangingPunct="1">
+        <a:defRPr sz="1800" kern="1200">
+          <a:solidFill>
+            <a:schemeClr val="tx1"/>
+          </a:solidFill>
+          <a:latin typeface="+mn-lt"/>
+          <a:ea typeface="+mn-ea"/>
+          <a:cs typeface="+mn-cs"/>
+        </a:defRPr>
+      </a:lvl9pPr>
+    </p:otherStyle>
+  </p:txStyles>
 </p:sldMaster>
 </file>
 
 <file path=ppt/slides/slide1.xml><?xml version="1.0" encoding="utf-8"?>
-<p:sld xmlns:a="http://schemas.openxmlformats.org/drawingml/2006/main" xmlns:p="http://schemas.openxmlformats.org/presentationml/2006/main" xmlns:r="http://schemas.openxmlformats.org/officeDocument/2006/relationships" xmlns:p14="http://schemas.microsoft.com/office/powerpoint/2010/main" xmlns:p15="http://schemas.microsoft.com/office/powerpoint/2012/main" xmlns:mc="http://schemas.openxmlformats.org/markup-compatibility/2006">
+<p:sld xmlns:a="http://schemas.openxmlformats.org/drawingml/2006/main" xmlns:r="http://schemas.openxmlformats.org/officeDocument/2006/relationships" xmlns:p="http://schemas.openxmlformats.org/presentationml/2006/main">
   <p:cSld>
     <p:spTree>
       <p:nvGrpSpPr>
@@ -3086,386 +3167,34 @@
           <a:chExt cx="0" cy="0"/>
         </a:xfrm>
       </p:grpSpPr>
-      <p:pic>
-        <p:nvPicPr>
-          <p:cNvPr id="41" name="Picture 79" descr=""/>
-          <p:cNvPicPr/>
-          <p:nvPr/>
-        </p:nvPicPr>
-        <p:blipFill>
-          <a:blip r:embed="rId1"/>
-          <a:stretch/>
-        </p:blipFill>
-        <p:spPr>
-          <a:xfrm>
-            <a:off x="137160" y="661680"/>
-            <a:ext cx="6939000" cy="3699720"/>
-          </a:xfrm>
-          <a:prstGeom prst="rect">
-            <a:avLst/>
-          </a:prstGeom>
-          <a:ln w="0">
-            <a:noFill/>
-          </a:ln>
-        </p:spPr>
-      </p:pic>
-      <p:pic>
-        <p:nvPicPr>
-          <p:cNvPr id="42" name="Picture 80" descr=""/>
-          <p:cNvPicPr/>
-          <p:nvPr/>
-        </p:nvPicPr>
-        <p:blipFill>
-          <a:blip r:embed="rId2"/>
-          <a:srcRect l="17972" t="0" r="31574" b="0"/>
-          <a:stretch/>
-        </p:blipFill>
-        <p:spPr>
-          <a:xfrm>
-            <a:off x="269640" y="5196240"/>
-            <a:ext cx="3194640" cy="3377520"/>
-          </a:xfrm>
-          <a:prstGeom prst="rect">
-            <a:avLst/>
-          </a:prstGeom>
-          <a:ln w="0">
-            <a:noFill/>
-          </a:ln>
-        </p:spPr>
-      </p:pic>
-      <p:pic>
-        <p:nvPicPr>
-          <p:cNvPr id="43" name="Picture 81" descr=""/>
-          <p:cNvPicPr/>
-          <p:nvPr/>
-        </p:nvPicPr>
-        <p:blipFill>
-          <a:blip r:embed="rId3"/>
-          <a:srcRect l="13417" t="0" r="35246" b="0"/>
-          <a:stretch/>
-        </p:blipFill>
-        <p:spPr>
-          <a:xfrm>
-            <a:off x="3693960" y="5196240"/>
-            <a:ext cx="3225240" cy="3377520"/>
-          </a:xfrm>
-          <a:prstGeom prst="rect">
-            <a:avLst/>
-          </a:prstGeom>
-          <a:ln w="0">
-            <a:noFill/>
-          </a:ln>
-        </p:spPr>
-      </p:pic>
-      <p:sp>
-        <p:nvSpPr>
-          <p:cNvPr id="44" name="Straight Connector 4"/>
-          <p:cNvSpPr/>
-          <p:nvPr/>
-        </p:nvSpPr>
-        <p:spPr>
-          <a:xfrm flipV="1">
-            <a:off x="1839600" y="5464800"/>
-            <a:ext cx="2878920" cy="915480"/>
-          </a:xfrm>
-          <a:prstGeom prst="line">
-            <a:avLst/>
-          </a:prstGeom>
-          <a:ln w="12700">
-            <a:solidFill>
-              <a:srgbClr val="000000"/>
-            </a:solidFill>
-            <a:prstDash val="dash"/>
-          </a:ln>
-        </p:spPr>
-        <p:style>
-          <a:lnRef idx="1">
-            <a:schemeClr val="accent1"/>
-          </a:lnRef>
-          <a:fillRef idx="0">
-            <a:schemeClr val="accent1"/>
-          </a:fillRef>
-          <a:effectRef idx="0">
-            <a:schemeClr val="accent1"/>
-          </a:effectRef>
-          <a:fontRef idx="minor"/>
-        </p:style>
-      </p:sp>
-      <p:sp>
-        <p:nvSpPr>
-          <p:cNvPr id="45" name="Straight Connector 4"/>
-          <p:cNvSpPr/>
-          <p:nvPr/>
-        </p:nvSpPr>
-        <p:spPr>
-          <a:xfrm>
-            <a:off x="1839600" y="6878520"/>
-            <a:ext cx="2662920" cy="1280160"/>
-          </a:xfrm>
-          <a:prstGeom prst="line">
-            <a:avLst/>
-          </a:prstGeom>
-          <a:ln w="12700">
-            <a:solidFill>
-              <a:srgbClr val="000000"/>
-            </a:solidFill>
-            <a:prstDash val="dash"/>
-          </a:ln>
-        </p:spPr>
-        <p:style>
-          <a:lnRef idx="1">
-            <a:schemeClr val="accent1"/>
-          </a:lnRef>
-          <a:fillRef idx="0">
-            <a:schemeClr val="accent1"/>
-          </a:fillRef>
-          <a:effectRef idx="0">
-            <a:schemeClr val="accent1"/>
-          </a:effectRef>
-          <a:fontRef idx="minor"/>
-        </p:style>
-      </p:sp>
-      <p:sp>
-        <p:nvSpPr>
-          <p:cNvPr id="46" name="Oval 17"/>
-          <p:cNvSpPr/>
-          <p:nvPr/>
-        </p:nvSpPr>
-        <p:spPr>
-          <a:xfrm>
-            <a:off x="358560" y="5430240"/>
-            <a:ext cx="2970000" cy="2926080"/>
-          </a:xfrm>
-          <a:prstGeom prst="ellipse">
-            <a:avLst/>
-          </a:prstGeom>
-          <a:noFill/>
-          <a:ln w="28575">
-            <a:solidFill>
-              <a:srgbClr val="000000"/>
-            </a:solidFill>
-          </a:ln>
-        </p:spPr>
-        <p:style>
-          <a:lnRef idx="2">
-            <a:schemeClr val="accent1">
-              <a:shade val="50000"/>
-            </a:schemeClr>
-          </a:lnRef>
-          <a:fillRef idx="1">
-            <a:schemeClr val="accent1"/>
-          </a:fillRef>
-          <a:effectRef idx="0">
-            <a:schemeClr val="accent1"/>
-          </a:effectRef>
-          <a:fontRef idx="minor"/>
-        </p:style>
-      </p:sp>
-      <p:sp>
-        <p:nvSpPr>
-          <p:cNvPr id="47" name="Oval 25"/>
-          <p:cNvSpPr/>
-          <p:nvPr/>
-        </p:nvSpPr>
-        <p:spPr>
-          <a:xfrm>
-            <a:off x="3813120" y="5384520"/>
-            <a:ext cx="2995200" cy="2975400"/>
-          </a:xfrm>
-          <a:prstGeom prst="ellipse">
-            <a:avLst/>
-          </a:prstGeom>
-          <a:noFill/>
-          <a:ln w="19050">
-            <a:solidFill>
-              <a:srgbClr val="000000"/>
-            </a:solidFill>
-            <a:prstDash val="sysDash"/>
-          </a:ln>
-        </p:spPr>
-        <p:style>
-          <a:lnRef idx="2">
-            <a:schemeClr val="accent1">
-              <a:shade val="50000"/>
-            </a:schemeClr>
-          </a:lnRef>
-          <a:fillRef idx="1">
-            <a:schemeClr val="accent1"/>
-          </a:fillRef>
-          <a:effectRef idx="0">
-            <a:schemeClr val="accent1"/>
-          </a:effectRef>
-          <a:fontRef idx="minor"/>
-        </p:style>
-      </p:sp>
-      <p:sp>
-        <p:nvSpPr>
-          <p:cNvPr id="48" name="Straight Connector 57"/>
-          <p:cNvSpPr/>
-          <p:nvPr/>
-        </p:nvSpPr>
-        <p:spPr>
-          <a:xfrm flipH="1">
-            <a:off x="5310000" y="6571440"/>
-            <a:ext cx="8640" cy="254520"/>
-          </a:xfrm>
-          <a:prstGeom prst="line">
-            <a:avLst/>
-          </a:prstGeom>
-          <a:ln>
-            <a:solidFill>
-              <a:srgbClr val="ff00ff"/>
-            </a:solidFill>
-          </a:ln>
-        </p:spPr>
-        <p:style>
-          <a:lnRef idx="1">
-            <a:schemeClr val="accent1"/>
-          </a:lnRef>
-          <a:fillRef idx="0">
-            <a:schemeClr val="accent1"/>
-          </a:fillRef>
-          <a:effectRef idx="0">
-            <a:schemeClr val="accent1"/>
-          </a:effectRef>
-          <a:fontRef idx="minor"/>
-        </p:style>
-      </p:sp>
-      <p:sp>
-        <p:nvSpPr>
-          <p:cNvPr id="49" name="Straight Connector 57"/>
-          <p:cNvSpPr/>
-          <p:nvPr/>
-        </p:nvSpPr>
-        <p:spPr>
-          <a:xfrm flipH="1">
-            <a:off x="5310000" y="6571440"/>
-            <a:ext cx="15480" cy="254520"/>
-          </a:xfrm>
-          <a:prstGeom prst="line">
-            <a:avLst/>
-          </a:prstGeom>
-          <a:ln>
-            <a:solidFill>
-              <a:srgbClr val="ff00ff"/>
-            </a:solidFill>
-          </a:ln>
-        </p:spPr>
-        <p:style>
-          <a:lnRef idx="1">
-            <a:schemeClr val="accent1"/>
-          </a:lnRef>
-          <a:fillRef idx="0">
-            <a:schemeClr val="accent1"/>
-          </a:fillRef>
-          <a:effectRef idx="0">
-            <a:schemeClr val="accent1"/>
-          </a:effectRef>
-          <a:fontRef idx="minor"/>
-        </p:style>
-      </p:sp>
-      <p:sp>
-        <p:nvSpPr>
-          <p:cNvPr id="50" name="Straight Connector 57"/>
-          <p:cNvSpPr/>
-          <p:nvPr/>
-        </p:nvSpPr>
-        <p:spPr>
-          <a:xfrm flipH="1">
-            <a:off x="5319360" y="6571440"/>
-            <a:ext cx="15840" cy="254520"/>
-          </a:xfrm>
-          <a:prstGeom prst="line">
-            <a:avLst/>
-          </a:prstGeom>
-          <a:ln>
-            <a:solidFill>
-              <a:srgbClr val="ff00ff"/>
-            </a:solidFill>
-          </a:ln>
-        </p:spPr>
-        <p:style>
-          <a:lnRef idx="1">
-            <a:schemeClr val="accent1"/>
-          </a:lnRef>
-          <a:fillRef idx="0">
-            <a:schemeClr val="accent1"/>
-          </a:fillRef>
-          <a:effectRef idx="0">
-            <a:schemeClr val="accent1"/>
-          </a:effectRef>
-          <a:fontRef idx="minor"/>
-        </p:style>
-      </p:sp>
-      <p:sp>
-        <p:nvSpPr>
-          <p:cNvPr id="51" name="Right Arrow 32"/>
-          <p:cNvSpPr/>
-          <p:nvPr/>
-        </p:nvSpPr>
-        <p:spPr>
-          <a:xfrm rot="19933800">
-            <a:off x="4875840" y="6751800"/>
-            <a:ext cx="355320" cy="160560"/>
-          </a:xfrm>
-          <a:prstGeom prst="rightArrow">
-            <a:avLst>
-              <a:gd name="adj1" fmla="val 50000"/>
-              <a:gd name="adj2" fmla="val 50000"/>
-            </a:avLst>
-          </a:prstGeom>
-          <a:solidFill>
-            <a:srgbClr val="ff00ff"/>
-          </a:solidFill>
-          <a:ln>
-            <a:solidFill>
-              <a:srgbClr val="ff00ff"/>
-            </a:solidFill>
-          </a:ln>
-        </p:spPr>
-        <p:style>
-          <a:lnRef idx="2">
-            <a:schemeClr val="accent1">
-              <a:shade val="50000"/>
-            </a:schemeClr>
-          </a:lnRef>
-          <a:fillRef idx="1">
-            <a:schemeClr val="accent1"/>
-          </a:fillRef>
-          <a:effectRef idx="0">
-            <a:schemeClr val="accent1"/>
-          </a:effectRef>
-          <a:fontRef idx="minor"/>
-        </p:style>
-      </p:sp>
       <p:grpSp>
         <p:nvGrpSpPr>
-          <p:cNvPr id="52" name="Group 66"/>
+          <p:cNvPr id="42" name="Group 66"/>
           <p:cNvGrpSpPr/>
           <p:nvPr/>
         </p:nvGrpSpPr>
         <p:grpSpPr>
           <a:xfrm>
             <a:off x="1370520" y="8947440"/>
-            <a:ext cx="843480" cy="363960"/>
+            <a:ext cx="842400" cy="363960"/>
             <a:chOff x="1370520" y="8947440"/>
-            <a:chExt cx="843480" cy="363960"/>
+            <a:chExt cx="842400" cy="363960"/>
           </a:xfrm>
         </p:grpSpPr>
         <p:pic>
           <p:nvPicPr>
-            <p:cNvPr id="53" name="Picture 67" descr=""/>
+            <p:cNvPr id="43" name="Picture 67"/>
             <p:cNvPicPr/>
             <p:nvPr/>
           </p:nvPicPr>
           <p:blipFill>
-            <a:blip r:embed="rId4"/>
+            <a:blip r:embed="rId2"/>
             <a:stretch/>
           </p:blipFill>
           <p:spPr>
             <a:xfrm>
               <a:off x="1370520" y="9018360"/>
-              <a:ext cx="275400" cy="246960"/>
+              <a:ext cx="274320" cy="245880"/>
             </a:xfrm>
             <a:prstGeom prst="rect">
               <a:avLst/>
@@ -3477,14 +3206,14 @@
         </p:pic>
         <p:sp>
           <p:nvSpPr>
-            <p:cNvPr id="54" name="TextBox 68"/>
+            <p:cNvPr id="44" name="TextBox 68"/>
             <p:cNvSpPr/>
             <p:nvPr/>
           </p:nvSpPr>
           <p:spPr>
             <a:xfrm>
               <a:off x="1576080" y="8947440"/>
-              <a:ext cx="637920" cy="363960"/>
+              <a:ext cx="636840" cy="363960"/>
             </a:xfrm>
             <a:prstGeom prst="rect">
               <a:avLst/>
@@ -3495,15 +3224,22 @@
             </a:ln>
           </p:spPr>
           <p:style>
-            <a:lnRef idx="0"/>
-            <a:fillRef idx="0"/>
-            <a:effectRef idx="0"/>
+            <a:lnRef idx="0">
+              <a:scrgbClr r="0" g="0" b="0"/>
+            </a:lnRef>
+            <a:fillRef idx="0">
+              <a:scrgbClr r="0" g="0" b="0"/>
+            </a:fillRef>
+            <a:effectRef idx="0">
+              <a:scrgbClr r="0" g="0" b="0"/>
+            </a:effectRef>
             <a:fontRef idx="minor"/>
           </p:style>
           <p:txBody>
-            <a:bodyPr wrap="none" lIns="90000" rIns="90000" tIns="45000" bIns="45000" anchor="t">
+            <a:bodyPr wrap="none" lIns="90000" tIns="45000" rIns="90000" bIns="45000" anchor="t">
               <a:spAutoFit/>
             </a:bodyPr>
+            <a:lstStyle/>
             <a:p>
               <a:pPr>
                 <a:lnSpc>
@@ -3512,7 +3248,7 @@
                 <a:buNone/>
               </a:pPr>
               <a:r>
-                <a:rPr b="1" lang="en-US" sz="1800" spc="-1" strike="noStrike">
+                <a:rPr lang="en-US" sz="1800" b="1" strike="noStrike" spc="-1">
                   <a:solidFill>
                     <a:srgbClr val="000000"/>
                   </a:solidFill>
@@ -3521,7 +3257,7 @@
                 </a:rPr>
                 <a:t>SPE</a:t>
               </a:r>
-              <a:endParaRPr b="0" lang="en-GB" sz="1800" spc="-1" strike="noStrike">
+              <a:endParaRPr lang="en-GB" sz="1800" b="0" strike="noStrike" spc="-1">
                 <a:latin typeface="Arial"/>
               </a:endParaRPr>
             </a:p>
@@ -3530,32 +3266,32 @@
       </p:grpSp>
       <p:grpSp>
         <p:nvGrpSpPr>
-          <p:cNvPr id="55" name="Group 69"/>
+          <p:cNvPr id="45" name="Group 69"/>
           <p:cNvGrpSpPr/>
           <p:nvPr/>
         </p:nvGrpSpPr>
         <p:grpSpPr>
           <a:xfrm>
             <a:off x="267480" y="8961840"/>
-            <a:ext cx="855720" cy="363960"/>
+            <a:ext cx="854640" cy="363960"/>
             <a:chOff x="267480" y="8961840"/>
-            <a:chExt cx="855720" cy="363960"/>
+            <a:chExt cx="854640" cy="363960"/>
           </a:xfrm>
         </p:grpSpPr>
         <p:pic>
           <p:nvPicPr>
-            <p:cNvPr id="56" name="Picture 70" descr=""/>
+            <p:cNvPr id="46" name="Picture 70"/>
             <p:cNvPicPr/>
             <p:nvPr/>
           </p:nvPicPr>
           <p:blipFill>
-            <a:blip r:embed="rId5"/>
+            <a:blip r:embed="rId3"/>
             <a:stretch/>
           </p:blipFill>
           <p:spPr>
             <a:xfrm>
               <a:off x="267480" y="9037080"/>
-              <a:ext cx="294480" cy="246960"/>
+              <a:ext cx="293400" cy="245880"/>
             </a:xfrm>
             <a:prstGeom prst="rect">
               <a:avLst/>
@@ -3567,14 +3303,14 @@
         </p:pic>
         <p:sp>
           <p:nvSpPr>
-            <p:cNvPr id="57" name="TextBox 71"/>
+            <p:cNvPr id="47" name="TextBox 71"/>
             <p:cNvSpPr/>
             <p:nvPr/>
           </p:nvSpPr>
           <p:spPr>
             <a:xfrm>
               <a:off x="473040" y="8961840"/>
-              <a:ext cx="650160" cy="363960"/>
+              <a:ext cx="649080" cy="363960"/>
             </a:xfrm>
             <a:prstGeom prst="rect">
               <a:avLst/>
@@ -3585,15 +3321,22 @@
             </a:ln>
           </p:spPr>
           <p:style>
-            <a:lnRef idx="0"/>
-            <a:fillRef idx="0"/>
-            <a:effectRef idx="0"/>
+            <a:lnRef idx="0">
+              <a:scrgbClr r="0" g="0" b="0"/>
+            </a:lnRef>
+            <a:fillRef idx="0">
+              <a:scrgbClr r="0" g="0" b="0"/>
+            </a:fillRef>
+            <a:effectRef idx="0">
+              <a:scrgbClr r="0" g="0" b="0"/>
+            </a:effectRef>
             <a:fontRef idx="minor"/>
           </p:style>
           <p:txBody>
-            <a:bodyPr wrap="none" lIns="90000" rIns="90000" tIns="45000" bIns="45000" anchor="t">
+            <a:bodyPr wrap="none" lIns="90000" tIns="45000" rIns="90000" bIns="45000" anchor="t">
               <a:spAutoFit/>
             </a:bodyPr>
+            <a:lstStyle/>
             <a:p>
               <a:pPr>
                 <a:lnSpc>
@@ -3602,7 +3345,7 @@
                 <a:buNone/>
               </a:pPr>
               <a:r>
-                <a:rPr b="1" lang="en-US" sz="1800" spc="-1" strike="noStrike">
+                <a:rPr lang="en-US" sz="1800" b="1" strike="noStrike" spc="-1">
                   <a:solidFill>
                     <a:srgbClr val="000000"/>
                   </a:solidFill>
@@ -3611,7 +3354,7 @@
                 </a:rPr>
                 <a:t>CPE</a:t>
               </a:r>
-              <a:endParaRPr b="0" lang="en-GB" sz="1800" spc="-1" strike="noStrike">
+              <a:endParaRPr lang="en-GB" sz="1800" b="0" strike="noStrike" spc="-1">
                 <a:latin typeface="Arial"/>
               </a:endParaRPr>
             </a:p>
@@ -3620,32 +3363,32 @@
       </p:grpSp>
       <p:grpSp>
         <p:nvGrpSpPr>
-          <p:cNvPr id="58" name="Group 72"/>
+          <p:cNvPr id="48" name="Group 72"/>
           <p:cNvGrpSpPr/>
           <p:nvPr/>
         </p:nvGrpSpPr>
         <p:grpSpPr>
           <a:xfrm>
             <a:off x="4438800" y="9423000"/>
-            <a:ext cx="2055960" cy="363960"/>
+            <a:ext cx="2054880" cy="363960"/>
             <a:chOff x="4438800" y="9423000"/>
-            <a:chExt cx="2055960" cy="363960"/>
+            <a:chExt cx="2054880" cy="363960"/>
           </a:xfrm>
         </p:grpSpPr>
         <p:pic>
           <p:nvPicPr>
-            <p:cNvPr id="59" name="Picture 73" descr=""/>
+            <p:cNvPr id="49" name="Picture 73"/>
             <p:cNvPicPr/>
             <p:nvPr/>
           </p:nvPicPr>
           <p:blipFill>
-            <a:blip r:embed="rId6"/>
+            <a:blip r:embed="rId4"/>
             <a:stretch/>
           </p:blipFill>
           <p:spPr>
             <a:xfrm>
               <a:off x="4438800" y="9474120"/>
-              <a:ext cx="275400" cy="266040"/>
+              <a:ext cx="274320" cy="264960"/>
             </a:xfrm>
             <a:prstGeom prst="rect">
               <a:avLst/>
@@ -3657,14 +3400,14 @@
         </p:pic>
         <p:sp>
           <p:nvSpPr>
-            <p:cNvPr id="60" name="TextBox 74"/>
+            <p:cNvPr id="50" name="TextBox 74"/>
             <p:cNvSpPr/>
             <p:nvPr/>
           </p:nvSpPr>
           <p:spPr>
             <a:xfrm>
               <a:off x="4663440" y="9423000"/>
-              <a:ext cx="1831320" cy="363960"/>
+              <a:ext cx="1830240" cy="363960"/>
             </a:xfrm>
             <a:prstGeom prst="rect">
               <a:avLst/>
@@ -3675,15 +3418,22 @@
             </a:ln>
           </p:spPr>
           <p:style>
-            <a:lnRef idx="0"/>
-            <a:fillRef idx="0"/>
-            <a:effectRef idx="0"/>
+            <a:lnRef idx="0">
+              <a:scrgbClr r="0" g="0" b="0"/>
+            </a:lnRef>
+            <a:fillRef idx="0">
+              <a:scrgbClr r="0" g="0" b="0"/>
+            </a:fillRef>
+            <a:effectRef idx="0">
+              <a:scrgbClr r="0" g="0" b="0"/>
+            </a:effectRef>
             <a:fontRef idx="minor"/>
           </p:style>
           <p:txBody>
-            <a:bodyPr wrap="none" lIns="90000" rIns="90000" tIns="45000" bIns="45000" anchor="t">
+            <a:bodyPr wrap="none" lIns="90000" tIns="45000" rIns="90000" bIns="45000" anchor="t">
               <a:spAutoFit/>
             </a:bodyPr>
+            <a:lstStyle/>
             <a:p>
               <a:pPr>
                 <a:lnSpc>
@@ -3692,7 +3442,7 @@
                 <a:buNone/>
               </a:pPr>
               <a:r>
-                <a:rPr b="1" lang="en-US" sz="1800" spc="-1" strike="noStrike">
+                <a:rPr lang="en-US" sz="1800" b="1" strike="noStrike" spc="-1">
                   <a:solidFill>
                     <a:srgbClr val="000000"/>
                   </a:solidFill>
@@ -3701,7 +3451,7 @@
                 </a:rPr>
                 <a:t>YH(10Rotation)</a:t>
               </a:r>
-              <a:endParaRPr b="0" lang="en-GB" sz="1800" spc="-1" strike="noStrike">
+              <a:endParaRPr lang="en-GB" sz="1800" b="0" strike="noStrike" spc="-1">
                 <a:latin typeface="Arial"/>
               </a:endParaRPr>
             </a:p>
@@ -3710,32 +3460,32 @@
       </p:grpSp>
       <p:grpSp>
         <p:nvGrpSpPr>
-          <p:cNvPr id="61" name="Group 75"/>
+          <p:cNvPr id="51" name="Group 75"/>
           <p:cNvGrpSpPr/>
           <p:nvPr/>
         </p:nvGrpSpPr>
         <p:grpSpPr>
           <a:xfrm>
             <a:off x="2460960" y="8944560"/>
-            <a:ext cx="1262520" cy="363960"/>
+            <a:ext cx="1261440" cy="363960"/>
             <a:chOff x="2460960" y="8944560"/>
-            <a:chExt cx="1262520" cy="363960"/>
+            <a:chExt cx="1261440" cy="363960"/>
           </a:xfrm>
         </p:grpSpPr>
         <p:pic>
           <p:nvPicPr>
-            <p:cNvPr id="62" name="Picture 76" descr=""/>
+            <p:cNvPr id="52" name="Picture 76"/>
             <p:cNvPicPr/>
             <p:nvPr/>
           </p:nvPicPr>
           <p:blipFill>
-            <a:blip r:embed="rId7"/>
+            <a:blip r:embed="rId5"/>
             <a:stretch/>
           </p:blipFill>
           <p:spPr>
             <a:xfrm>
               <a:off x="2460960" y="9028080"/>
-              <a:ext cx="275400" cy="246960"/>
+              <a:ext cx="274320" cy="245880"/>
             </a:xfrm>
             <a:prstGeom prst="rect">
               <a:avLst/>
@@ -3747,14 +3497,14 @@
         </p:pic>
         <p:sp>
           <p:nvSpPr>
-            <p:cNvPr id="63" name="TextBox 77"/>
+            <p:cNvPr id="53" name="TextBox 77"/>
             <p:cNvSpPr/>
             <p:nvPr/>
           </p:nvSpPr>
           <p:spPr>
             <a:xfrm>
               <a:off x="2742480" y="8944560"/>
-              <a:ext cx="981000" cy="363960"/>
+              <a:ext cx="979920" cy="363960"/>
             </a:xfrm>
             <a:prstGeom prst="rect">
               <a:avLst/>
@@ -3765,15 +3515,22 @@
             </a:ln>
           </p:spPr>
           <p:style>
-            <a:lnRef idx="0"/>
-            <a:fillRef idx="0"/>
-            <a:effectRef idx="0"/>
+            <a:lnRef idx="0">
+              <a:scrgbClr r="0" g="0" b="0"/>
+            </a:lnRef>
+            <a:fillRef idx="0">
+              <a:scrgbClr r="0" g="0" b="0"/>
+            </a:fillRef>
+            <a:effectRef idx="0">
+              <a:scrgbClr r="0" g="0" b="0"/>
+            </a:effectRef>
             <a:fontRef idx="minor"/>
           </p:style>
           <p:txBody>
-            <a:bodyPr wrap="none" lIns="90000" rIns="90000" tIns="45000" bIns="45000" anchor="t">
+            <a:bodyPr wrap="none" lIns="90000" tIns="45000" rIns="90000" bIns="45000" anchor="t">
               <a:spAutoFit/>
             </a:bodyPr>
+            <a:lstStyle/>
             <a:p>
               <a:pPr>
                 <a:lnSpc>
@@ -3782,7 +3539,7 @@
                 <a:buNone/>
               </a:pPr>
               <a:r>
-                <a:rPr b="1" lang="en-US" sz="1800" spc="-1" strike="noStrike">
+                <a:rPr lang="en-US" sz="1800" b="1" strike="noStrike" spc="-1">
                   <a:solidFill>
                     <a:srgbClr val="000000"/>
                   </a:solidFill>
@@ -3791,7 +3548,7 @@
                 </a:rPr>
                 <a:t>TM-Vec</a:t>
               </a:r>
-              <a:endParaRPr b="0" lang="en-GB" sz="1800" spc="-1" strike="noStrike">
+              <a:endParaRPr lang="en-GB" sz="1800" b="0" strike="noStrike" spc="-1">
                 <a:latin typeface="Arial"/>
               </a:endParaRPr>
             </a:p>
@@ -3800,32 +3557,32 @@
       </p:grpSp>
       <p:grpSp>
         <p:nvGrpSpPr>
-          <p:cNvPr id="64" name="Group 1"/>
+          <p:cNvPr id="54" name="Group 1"/>
           <p:cNvGrpSpPr/>
           <p:nvPr/>
         </p:nvGrpSpPr>
         <p:grpSpPr>
           <a:xfrm>
             <a:off x="3953880" y="8954280"/>
-            <a:ext cx="1445400" cy="363960"/>
+            <a:ext cx="1444320" cy="363960"/>
             <a:chOff x="3953880" y="8954280"/>
-            <a:chExt cx="1445400" cy="363960"/>
+            <a:chExt cx="1444320" cy="363960"/>
           </a:xfrm>
         </p:grpSpPr>
         <p:pic>
           <p:nvPicPr>
-            <p:cNvPr id="65" name="Picture 65" descr=""/>
+            <p:cNvPr id="55" name="Picture 65"/>
             <p:cNvPicPr/>
             <p:nvPr/>
           </p:nvPicPr>
           <p:blipFill>
-            <a:blip r:embed="rId8"/>
+            <a:blip r:embed="rId6"/>
             <a:stretch/>
           </p:blipFill>
           <p:spPr>
             <a:xfrm>
               <a:off x="3953880" y="9028440"/>
-              <a:ext cx="266040" cy="246960"/>
+              <a:ext cx="264960" cy="245880"/>
             </a:xfrm>
             <a:prstGeom prst="rect">
               <a:avLst/>
@@ -3837,14 +3594,14 @@
         </p:pic>
         <p:sp>
           <p:nvSpPr>
-            <p:cNvPr id="66" name="TextBox 78"/>
+            <p:cNvPr id="56" name="TextBox 78"/>
             <p:cNvSpPr/>
             <p:nvPr/>
           </p:nvSpPr>
           <p:spPr>
             <a:xfrm>
               <a:off x="4226400" y="8954280"/>
-              <a:ext cx="1172880" cy="363960"/>
+              <a:ext cx="1171800" cy="363960"/>
             </a:xfrm>
             <a:prstGeom prst="rect">
               <a:avLst/>
@@ -3855,15 +3612,22 @@
             </a:ln>
           </p:spPr>
           <p:style>
-            <a:lnRef idx="0"/>
-            <a:fillRef idx="0"/>
-            <a:effectRef idx="0"/>
+            <a:lnRef idx="0">
+              <a:scrgbClr r="0" g="0" b="0"/>
+            </a:lnRef>
+            <a:fillRef idx="0">
+              <a:scrgbClr r="0" g="0" b="0"/>
+            </a:fillRef>
+            <a:effectRef idx="0">
+              <a:scrgbClr r="0" g="0" b="0"/>
+            </a:effectRef>
             <a:fontRef idx="minor"/>
           </p:style>
           <p:txBody>
-            <a:bodyPr wrap="none" lIns="90000" rIns="90000" tIns="45000" bIns="45000" anchor="t">
+            <a:bodyPr wrap="none" lIns="90000" tIns="45000" rIns="90000" bIns="45000" anchor="t">
               <a:spAutoFit/>
             </a:bodyPr>
+            <a:lstStyle/>
             <a:p>
               <a:pPr>
                 <a:lnSpc>
@@ -3872,7 +3636,7 @@
                 <a:buNone/>
               </a:pPr>
               <a:r>
-                <a:rPr b="1" lang="en-US" sz="1800" spc="-1" strike="noStrike">
+                <a:rPr lang="en-US" sz="1800" b="1" strike="noStrike" spc="-1">
                   <a:solidFill>
                     <a:srgbClr val="000000"/>
                   </a:solidFill>
@@ -3881,7 +3645,7 @@
                 </a:rPr>
                 <a:t>GR-Align</a:t>
               </a:r>
-              <a:endParaRPr b="0" lang="en-GB" sz="1800" spc="-1" strike="noStrike">
+              <a:endParaRPr lang="en-GB" sz="1800" b="0" strike="noStrike" spc="-1">
                 <a:latin typeface="Arial"/>
               </a:endParaRPr>
             </a:p>
@@ -3890,32 +3654,32 @@
       </p:grpSp>
       <p:grpSp>
         <p:nvGrpSpPr>
-          <p:cNvPr id="67" name="Group 82"/>
+          <p:cNvPr id="57" name="Group 82"/>
           <p:cNvGrpSpPr/>
           <p:nvPr/>
         </p:nvGrpSpPr>
         <p:grpSpPr>
           <a:xfrm>
             <a:off x="1717200" y="9396000"/>
-            <a:ext cx="2331360" cy="363960"/>
+            <a:ext cx="2330280" cy="363960"/>
             <a:chOff x="1717200" y="9396000"/>
-            <a:chExt cx="2331360" cy="363960"/>
+            <a:chExt cx="2330280" cy="363960"/>
           </a:xfrm>
         </p:grpSpPr>
         <p:pic>
           <p:nvPicPr>
-            <p:cNvPr id="68" name="Picture 83" descr=""/>
+            <p:cNvPr id="58" name="Picture 83"/>
             <p:cNvPicPr/>
             <p:nvPr/>
           </p:nvPicPr>
           <p:blipFill>
-            <a:blip r:embed="rId9"/>
+            <a:blip r:embed="rId7"/>
             <a:stretch/>
           </p:blipFill>
           <p:spPr>
             <a:xfrm>
               <a:off x="1717200" y="9475560"/>
-              <a:ext cx="266040" cy="237240"/>
+              <a:ext cx="264960" cy="236160"/>
             </a:xfrm>
             <a:prstGeom prst="rect">
               <a:avLst/>
@@ -3927,14 +3691,14 @@
         </p:pic>
         <p:sp>
           <p:nvSpPr>
-            <p:cNvPr id="69" name="TextBox 84"/>
+            <p:cNvPr id="59" name="TextBox 84"/>
             <p:cNvSpPr/>
             <p:nvPr/>
           </p:nvSpPr>
           <p:spPr>
             <a:xfrm>
               <a:off x="1964520" y="9396000"/>
-              <a:ext cx="2084040" cy="363960"/>
+              <a:ext cx="2082960" cy="363960"/>
             </a:xfrm>
             <a:prstGeom prst="rect">
               <a:avLst/>
@@ -3945,15 +3709,22 @@
             </a:ln>
           </p:spPr>
           <p:style>
-            <a:lnRef idx="0"/>
-            <a:fillRef idx="0"/>
-            <a:effectRef idx="0"/>
+            <a:lnRef idx="0">
+              <a:scrgbClr r="0" g="0" b="0"/>
+            </a:lnRef>
+            <a:fillRef idx="0">
+              <a:scrgbClr r="0" g="0" b="0"/>
+            </a:fillRef>
+            <a:effectRef idx="0">
+              <a:scrgbClr r="0" g="0" b="0"/>
+            </a:effectRef>
             <a:fontRef idx="minor"/>
           </p:style>
           <p:txBody>
-            <a:bodyPr wrap="none" lIns="90000" rIns="90000" tIns="45000" bIns="45000" anchor="t">
+            <a:bodyPr wrap="none" lIns="90000" tIns="45000" rIns="90000" bIns="45000" anchor="t">
               <a:spAutoFit/>
             </a:bodyPr>
+            <a:lstStyle/>
             <a:p>
               <a:pPr>
                 <a:lnSpc>
@@ -3962,7 +3733,7 @@
                 <a:buNone/>
               </a:pPr>
               <a:r>
-                <a:rPr b="1" lang="en-US" sz="1800" spc="-1" strike="noStrike">
+                <a:rPr lang="en-US" sz="1800" b="1" strike="noStrike" spc="-1">
                   <a:solidFill>
                     <a:srgbClr val="000000"/>
                   </a:solidFill>
@@ -3971,7 +3742,7 @@
                 </a:rPr>
                 <a:t>YH(2500Rotation)</a:t>
               </a:r>
-              <a:endParaRPr b="0" lang="en-GB" sz="1800" spc="-1" strike="noStrike">
+              <a:endParaRPr lang="en-GB" sz="1800" b="0" strike="noStrike" spc="-1">
                 <a:latin typeface="Arial"/>
               </a:endParaRPr>
             </a:p>
@@ -3980,32 +3751,32 @@
       </p:grpSp>
       <p:grpSp>
         <p:nvGrpSpPr>
-          <p:cNvPr id="70" name="Group 85"/>
+          <p:cNvPr id="60" name="Group 85"/>
           <p:cNvGrpSpPr/>
           <p:nvPr/>
         </p:nvGrpSpPr>
         <p:grpSpPr>
           <a:xfrm>
             <a:off x="267480" y="9410040"/>
-            <a:ext cx="1116720" cy="363960"/>
+            <a:ext cx="1115640" cy="363960"/>
             <a:chOff x="267480" y="9410040"/>
-            <a:chExt cx="1116720" cy="363960"/>
+            <a:chExt cx="1115640" cy="363960"/>
           </a:xfrm>
         </p:grpSpPr>
         <p:pic>
           <p:nvPicPr>
-            <p:cNvPr id="71" name="Picture 86" descr=""/>
+            <p:cNvPr id="61" name="Picture 86"/>
             <p:cNvPicPr/>
             <p:nvPr/>
           </p:nvPicPr>
           <p:blipFill>
-            <a:blip r:embed="rId10"/>
+            <a:blip r:embed="rId8"/>
             <a:stretch/>
           </p:blipFill>
           <p:spPr>
             <a:xfrm>
               <a:off x="267480" y="9475560"/>
-              <a:ext cx="275400" cy="237240"/>
+              <a:ext cx="274320" cy="236160"/>
             </a:xfrm>
             <a:prstGeom prst="rect">
               <a:avLst/>
@@ -4017,14 +3788,14 @@
         </p:pic>
         <p:sp>
           <p:nvSpPr>
-            <p:cNvPr id="72" name="TextBox 87"/>
+            <p:cNvPr id="62" name="TextBox 87"/>
             <p:cNvSpPr/>
             <p:nvPr/>
           </p:nvSpPr>
           <p:spPr>
             <a:xfrm>
               <a:off x="531360" y="9410040"/>
-              <a:ext cx="852840" cy="363960"/>
+              <a:ext cx="851760" cy="363960"/>
             </a:xfrm>
             <a:prstGeom prst="rect">
               <a:avLst/>
@@ -4035,15 +3806,22 @@
             </a:ln>
           </p:spPr>
           <p:style>
-            <a:lnRef idx="0"/>
-            <a:fillRef idx="0"/>
-            <a:effectRef idx="0"/>
+            <a:lnRef idx="0">
+              <a:scrgbClr r="0" g="0" b="0"/>
+            </a:lnRef>
+            <a:fillRef idx="0">
+              <a:scrgbClr r="0" g="0" b="0"/>
+            </a:fillRef>
+            <a:effectRef idx="0">
+              <a:scrgbClr r="0" g="0" b="0"/>
+            </a:effectRef>
             <a:fontRef idx="minor"/>
           </p:style>
           <p:txBody>
-            <a:bodyPr wrap="none" lIns="90000" rIns="90000" tIns="45000" bIns="45000" anchor="t">
+            <a:bodyPr wrap="none" lIns="90000" tIns="45000" rIns="90000" bIns="45000" anchor="t">
               <a:spAutoFit/>
             </a:bodyPr>
+            <a:lstStyle/>
             <a:p>
               <a:pPr>
                 <a:lnSpc>
@@ -4052,7 +3830,7 @@
                 <a:buNone/>
               </a:pPr>
               <a:r>
-                <a:rPr b="1" lang="en-US" sz="1800" spc="-1" strike="noStrike">
+                <a:rPr lang="en-US" sz="1800" b="1" strike="noStrike" spc="-1">
                   <a:solidFill>
                     <a:srgbClr val="000000"/>
                   </a:solidFill>
@@ -4061,7 +3839,7 @@
                 </a:rPr>
                 <a:t>RMSD</a:t>
               </a:r>
-              <a:endParaRPr b="0" lang="en-GB" sz="1800" spc="-1" strike="noStrike">
+              <a:endParaRPr lang="en-GB" sz="1800" b="0" strike="noStrike" spc="-1">
                 <a:latin typeface="Arial"/>
               </a:endParaRPr>
             </a:p>
@@ -4070,32 +3848,32 @@
       </p:grpSp>
       <p:grpSp>
         <p:nvGrpSpPr>
-          <p:cNvPr id="73" name="Group 88"/>
+          <p:cNvPr id="63" name="Group 88"/>
           <p:cNvGrpSpPr/>
           <p:nvPr/>
         </p:nvGrpSpPr>
         <p:grpSpPr>
           <a:xfrm>
             <a:off x="5618520" y="8933400"/>
-            <a:ext cx="1481760" cy="363960"/>
+            <a:ext cx="1480680" cy="363960"/>
             <a:chOff x="5618520" y="8933400"/>
-            <a:chExt cx="1481760" cy="363960"/>
+            <a:chExt cx="1480680" cy="363960"/>
           </a:xfrm>
         </p:grpSpPr>
         <p:pic>
           <p:nvPicPr>
-            <p:cNvPr id="74" name="Picture 89" descr=""/>
+            <p:cNvPr id="64" name="Picture 89"/>
             <p:cNvPicPr/>
             <p:nvPr/>
           </p:nvPicPr>
           <p:blipFill>
-            <a:blip r:embed="rId11"/>
+            <a:blip r:embed="rId9"/>
             <a:stretch/>
           </p:blipFill>
           <p:spPr>
             <a:xfrm>
               <a:off x="5618520" y="9020160"/>
-              <a:ext cx="266040" cy="237240"/>
+              <a:ext cx="264960" cy="236160"/>
             </a:xfrm>
             <a:prstGeom prst="rect">
               <a:avLst/>
@@ -4107,14 +3885,14 @@
         </p:pic>
         <p:sp>
           <p:nvSpPr>
-            <p:cNvPr id="75" name="TextBox 90"/>
+            <p:cNvPr id="65" name="TextBox 90"/>
             <p:cNvSpPr/>
             <p:nvPr/>
           </p:nvSpPr>
           <p:spPr>
             <a:xfrm>
               <a:off x="5878800" y="8933400"/>
-              <a:ext cx="1221480" cy="363960"/>
+              <a:ext cx="1220400" cy="363960"/>
             </a:xfrm>
             <a:prstGeom prst="rect">
               <a:avLst/>
@@ -4125,15 +3903,22 @@
             </a:ln>
           </p:spPr>
           <p:style>
-            <a:lnRef idx="0"/>
-            <a:fillRef idx="0"/>
-            <a:effectRef idx="0"/>
+            <a:lnRef idx="0">
+              <a:scrgbClr r="0" g="0" b="0"/>
+            </a:lnRef>
+            <a:fillRef idx="0">
+              <a:scrgbClr r="0" g="0" b="0"/>
+            </a:fillRef>
+            <a:effectRef idx="0">
+              <a:scrgbClr r="0" g="0" b="0"/>
+            </a:effectRef>
             <a:fontRef idx="minor"/>
           </p:style>
           <p:txBody>
-            <a:bodyPr wrap="none" lIns="90000" rIns="90000" tIns="45000" bIns="45000" anchor="t">
+            <a:bodyPr wrap="none" lIns="90000" tIns="45000" rIns="90000" bIns="45000" anchor="t">
               <a:spAutoFit/>
             </a:bodyPr>
+            <a:lstStyle/>
             <a:p>
               <a:pPr>
                 <a:lnSpc>
@@ -4142,7 +3927,7 @@
                 <a:buNone/>
               </a:pPr>
               <a:r>
-                <a:rPr b="1" lang="en-US" sz="1800" spc="-1" strike="noStrike">
+                <a:rPr lang="en-US" sz="1800" b="1" strike="noStrike" spc="-1">
                   <a:solidFill>
                     <a:srgbClr val="000000"/>
                   </a:solidFill>
@@ -4151,7 +3936,7 @@
                 </a:rPr>
                 <a:t>TM-Score</a:t>
               </a:r>
-              <a:endParaRPr b="0" lang="en-GB" sz="1800" spc="-1" strike="noStrike">
+              <a:endParaRPr lang="en-GB" sz="1800" b="0" strike="noStrike" spc="-1">
                 <a:latin typeface="Arial"/>
               </a:endParaRPr>
             </a:p>
@@ -4160,14 +3945,14 @@
       </p:grpSp>
       <p:sp>
         <p:nvSpPr>
-          <p:cNvPr id="76" name="TextBox 8"/>
+          <p:cNvPr id="66" name="TextBox 8"/>
           <p:cNvSpPr/>
           <p:nvPr/>
         </p:nvSpPr>
         <p:spPr>
           <a:xfrm>
-            <a:off x="1643040" y="8372520"/>
-            <a:ext cx="509760" cy="339840"/>
+            <a:off x="237960" y="4760280"/>
+            <a:ext cx="326880" cy="461520"/>
           </a:xfrm>
           <a:prstGeom prst="rect">
             <a:avLst/>
@@ -4178,15 +3963,22 @@
           </a:ln>
         </p:spPr>
         <p:style>
-          <a:lnRef idx="0"/>
-          <a:fillRef idx="0"/>
-          <a:effectRef idx="0"/>
+          <a:lnRef idx="0">
+            <a:scrgbClr r="0" g="0" b="0"/>
+          </a:lnRef>
+          <a:fillRef idx="0">
+            <a:scrgbClr r="0" g="0" b="0"/>
+          </a:fillRef>
+          <a:effectRef idx="0">
+            <a:scrgbClr r="0" g="0" b="0"/>
+          </a:effectRef>
           <a:fontRef idx="minor"/>
         </p:style>
         <p:txBody>
-          <a:bodyPr wrap="none" lIns="35640" rIns="35640" tIns="17640" bIns="17640" anchor="t">
+          <a:bodyPr wrap="none" lIns="35640" tIns="17640" rIns="35640" bIns="17640" anchor="t">
             <a:spAutoFit/>
           </a:bodyPr>
+          <a:lstStyle/>
           <a:p>
             <a:pPr>
               <a:lnSpc>
@@ -4195,163 +3987,7 @@
               <a:buNone/>
             </a:pPr>
             <a:r>
-              <a:rPr b="1" lang="en-US" sz="2000" spc="-1" strike="noStrike">
-                <a:solidFill>
-                  <a:srgbClr val="000000"/>
-                </a:solidFill>
-                <a:latin typeface="Arial"/>
-                <a:ea typeface="DejaVu Sans"/>
-              </a:rPr>
-              <a:t>12h</a:t>
-            </a:r>
-            <a:endParaRPr b="0" lang="en-GB" sz="2000" spc="-1" strike="noStrike">
-              <a:latin typeface="Arial"/>
-            </a:endParaRPr>
-          </a:p>
-        </p:txBody>
-      </p:sp>
-      <p:sp>
-        <p:nvSpPr>
-          <p:cNvPr id="77" name="TextBox 13"/>
-          <p:cNvSpPr/>
-          <p:nvPr/>
-        </p:nvSpPr>
-        <p:spPr>
-          <a:xfrm>
-            <a:off x="5064480" y="8384400"/>
-            <a:ext cx="639000" cy="339840"/>
-          </a:xfrm>
-          <a:prstGeom prst="rect">
-            <a:avLst/>
-          </a:prstGeom>
-          <a:noFill/>
-          <a:ln w="0">
-            <a:noFill/>
-          </a:ln>
-        </p:spPr>
-        <p:style>
-          <a:lnRef idx="0"/>
-          <a:fillRef idx="0"/>
-          <a:effectRef idx="0"/>
-          <a:fontRef idx="minor"/>
-        </p:style>
-        <p:txBody>
-          <a:bodyPr wrap="none" lIns="35640" rIns="35640" tIns="17640" bIns="17640" anchor="t">
-            <a:spAutoFit/>
-          </a:bodyPr>
-          <a:p>
-            <a:pPr>
-              <a:lnSpc>
-                <a:spcPct val="100000"/>
-              </a:lnSpc>
-              <a:buNone/>
-            </a:pPr>
-            <a:r>
-              <a:rPr b="1" lang="en-US" sz="2000" spc="-1" strike="noStrike">
-                <a:solidFill>
-                  <a:srgbClr val="000000"/>
-                </a:solidFill>
-                <a:latin typeface="Arial"/>
-                <a:ea typeface="DejaVu Sans"/>
-              </a:rPr>
-              <a:t>200s</a:t>
-            </a:r>
-            <a:endParaRPr b="0" lang="en-GB" sz="2000" spc="-1" strike="noStrike">
-              <a:latin typeface="Arial"/>
-            </a:endParaRPr>
-          </a:p>
-        </p:txBody>
-      </p:sp>
-      <p:sp>
-        <p:nvSpPr>
-          <p:cNvPr id="78" name="TextBox 8"/>
-          <p:cNvSpPr/>
-          <p:nvPr/>
-        </p:nvSpPr>
-        <p:spPr>
-          <a:xfrm>
-            <a:off x="2640600" y="5056200"/>
-            <a:ext cx="1761120" cy="339840"/>
-          </a:xfrm>
-          <a:prstGeom prst="rect">
-            <a:avLst/>
-          </a:prstGeom>
-          <a:noFill/>
-          <a:ln w="0">
-            <a:noFill/>
-          </a:ln>
-        </p:spPr>
-        <p:style>
-          <a:lnRef idx="0"/>
-          <a:fillRef idx="0"/>
-          <a:effectRef idx="0"/>
-          <a:fontRef idx="minor"/>
-        </p:style>
-        <p:txBody>
-          <a:bodyPr wrap="none" lIns="35640" rIns="35640" tIns="17640" bIns="17640" anchor="t">
-            <a:spAutoFit/>
-          </a:bodyPr>
-          <a:p>
-            <a:pPr>
-              <a:lnSpc>
-                <a:spcPct val="100000"/>
-              </a:lnSpc>
-              <a:buNone/>
-            </a:pPr>
-            <a:r>
-              <a:rPr b="1" lang="en-US" sz="2000" spc="-1" strike="noStrike">
-                <a:solidFill>
-                  <a:srgbClr val="000000"/>
-                </a:solidFill>
-                <a:latin typeface="Arial"/>
-                <a:ea typeface="DejaVu Sans"/>
-              </a:rPr>
-              <a:t>Running Time</a:t>
-            </a:r>
-            <a:endParaRPr b="0" lang="en-GB" sz="2000" spc="-1" strike="noStrike">
-              <a:latin typeface="Arial"/>
-            </a:endParaRPr>
-          </a:p>
-        </p:txBody>
-      </p:sp>
-      <p:sp>
-        <p:nvSpPr>
-          <p:cNvPr id="79" name="TextBox 8"/>
-          <p:cNvSpPr/>
-          <p:nvPr/>
-        </p:nvSpPr>
-        <p:spPr>
-          <a:xfrm>
-            <a:off x="237960" y="4760280"/>
-            <a:ext cx="327600" cy="461520"/>
-          </a:xfrm>
-          <a:prstGeom prst="rect">
-            <a:avLst/>
-          </a:prstGeom>
-          <a:noFill/>
-          <a:ln w="0">
-            <a:noFill/>
-          </a:ln>
-        </p:spPr>
-        <p:style>
-          <a:lnRef idx="0"/>
-          <a:fillRef idx="0"/>
-          <a:effectRef idx="0"/>
-          <a:fontRef idx="minor"/>
-        </p:style>
-        <p:txBody>
-          <a:bodyPr wrap="none" lIns="35640" rIns="35640" tIns="17640" bIns="17640" anchor="t">
-            <a:spAutoFit/>
-          </a:bodyPr>
-          <a:p>
-            <a:pPr>
-              <a:lnSpc>
-                <a:spcPct val="100000"/>
-              </a:lnSpc>
-              <a:buNone/>
-            </a:pPr>
-            <a:r>
-              <a:rPr b="1" lang="en-US" sz="2800" spc="-1" strike="noStrike">
+              <a:rPr lang="en-US" sz="2800" b="1" strike="noStrike" spc="-1">
                 <a:solidFill>
                   <a:srgbClr val="000000"/>
                 </a:solidFill>
@@ -4360,7 +3996,7 @@
               </a:rPr>
               <a:t>B</a:t>
             </a:r>
-            <a:endParaRPr b="0" lang="en-GB" sz="2800" spc="-1" strike="noStrike">
+            <a:endParaRPr lang="en-GB" sz="2800" b="0" strike="noStrike" spc="-1">
               <a:latin typeface="Arial"/>
             </a:endParaRPr>
           </a:p>
@@ -4368,14 +4004,14 @@
       </p:sp>
       <p:sp>
         <p:nvSpPr>
-          <p:cNvPr id="80" name="TextBox 8"/>
+          <p:cNvPr id="67" name="TextBox 8"/>
           <p:cNvSpPr/>
           <p:nvPr/>
         </p:nvSpPr>
         <p:spPr>
           <a:xfrm>
             <a:off x="238680" y="100800"/>
-            <a:ext cx="327600" cy="461520"/>
+            <a:ext cx="326880" cy="461520"/>
           </a:xfrm>
           <a:prstGeom prst="rect">
             <a:avLst/>
@@ -4386,15 +4022,22 @@
           </a:ln>
         </p:spPr>
         <p:style>
-          <a:lnRef idx="0"/>
-          <a:fillRef idx="0"/>
-          <a:effectRef idx="0"/>
+          <a:lnRef idx="0">
+            <a:scrgbClr r="0" g="0" b="0"/>
+          </a:lnRef>
+          <a:fillRef idx="0">
+            <a:scrgbClr r="0" g="0" b="0"/>
+          </a:fillRef>
+          <a:effectRef idx="0">
+            <a:scrgbClr r="0" g="0" b="0"/>
+          </a:effectRef>
           <a:fontRef idx="minor"/>
         </p:style>
         <p:txBody>
-          <a:bodyPr wrap="none" lIns="35640" rIns="35640" tIns="17640" bIns="17640" anchor="t">
+          <a:bodyPr wrap="none" lIns="35640" tIns="17640" rIns="35640" bIns="17640" anchor="t">
             <a:spAutoFit/>
           </a:bodyPr>
+          <a:lstStyle/>
           <a:p>
             <a:pPr>
               <a:lnSpc>
@@ -4403,7 +4046,7 @@
               <a:buNone/>
             </a:pPr>
             <a:r>
-              <a:rPr b="1" lang="en-US" sz="2800" spc="-1" strike="noStrike">
+              <a:rPr lang="en-US" sz="2800" b="1" strike="noStrike" spc="-1">
                 <a:solidFill>
                   <a:srgbClr val="000000"/>
                 </a:solidFill>
@@ -4412,56 +4055,585 @@
               </a:rPr>
               <a:t>A</a:t>
             </a:r>
-            <a:endParaRPr b="0" lang="en-GB" sz="2800" spc="-1" strike="noStrike">
+            <a:endParaRPr lang="en-GB" sz="2800" b="0" strike="noStrike" spc="-1">
               <a:latin typeface="Arial"/>
             </a:endParaRPr>
           </a:p>
         </p:txBody>
       </p:sp>
-      <p:sp>
-        <p:nvSpPr>
-          <p:cNvPr id="81" name="Oval 1"/>
-          <p:cNvSpPr/>
+      <p:grpSp>
+        <p:nvGrpSpPr>
+          <p:cNvPr id="68" name="Group 96"/>
+          <p:cNvGrpSpPr/>
           <p:nvPr/>
-        </p:nvSpPr>
+        </p:nvGrpSpPr>
+        <p:grpSpPr>
+          <a:xfrm>
+            <a:off x="269640" y="5056200"/>
+            <a:ext cx="6638400" cy="3668040"/>
+            <a:chOff x="269640" y="5056200"/>
+            <a:chExt cx="6638400" cy="3668040"/>
+          </a:xfrm>
+        </p:grpSpPr>
+        <p:pic>
+          <p:nvPicPr>
+            <p:cNvPr id="69" name="Picture 97"/>
+            <p:cNvPicPr/>
+            <p:nvPr/>
+          </p:nvPicPr>
+          <p:blipFill>
+            <a:blip r:embed="rId10"/>
+            <a:srcRect l="17040" t="3841" r="31977" b="4944"/>
+            <a:stretch/>
+          </p:blipFill>
+          <p:spPr>
+            <a:xfrm>
+              <a:off x="3755880" y="5317200"/>
+              <a:ext cx="3152160" cy="3096000"/>
+            </a:xfrm>
+            <a:prstGeom prst="rect">
+              <a:avLst/>
+            </a:prstGeom>
+            <a:ln w="0">
+              <a:noFill/>
+            </a:ln>
+          </p:spPr>
+        </p:pic>
+        <p:grpSp>
+          <p:nvGrpSpPr>
+            <p:cNvPr id="70" name="Group 98"/>
+            <p:cNvGrpSpPr/>
+            <p:nvPr/>
+          </p:nvGrpSpPr>
+          <p:grpSpPr>
+            <a:xfrm>
+              <a:off x="269640" y="5056200"/>
+              <a:ext cx="6537600" cy="3668040"/>
+              <a:chOff x="269640" y="5056200"/>
+              <a:chExt cx="6537600" cy="3668040"/>
+            </a:xfrm>
+          </p:grpSpPr>
+          <p:pic>
+            <p:nvPicPr>
+              <p:cNvPr id="71" name="Picture 80"/>
+              <p:cNvPicPr/>
+              <p:nvPr/>
+            </p:nvPicPr>
+            <p:blipFill>
+              <a:blip r:embed="rId11"/>
+              <a:srcRect l="17968" r="31564"/>
+              <a:stretch/>
+            </p:blipFill>
+            <p:spPr>
+              <a:xfrm>
+                <a:off x="269640" y="5196240"/>
+                <a:ext cx="3193560" cy="3376440"/>
+              </a:xfrm>
+              <a:prstGeom prst="rect">
+                <a:avLst/>
+              </a:prstGeom>
+              <a:ln w="0">
+                <a:noFill/>
+              </a:ln>
+            </p:spPr>
+          </p:pic>
+          <p:sp>
+            <p:nvSpPr>
+              <p:cNvPr id="72" name="Straight Connector 4"/>
+              <p:cNvSpPr/>
+              <p:nvPr/>
+            </p:nvSpPr>
+            <p:spPr>
+              <a:xfrm flipV="1">
+                <a:off x="1839240" y="5486400"/>
+                <a:ext cx="2887200" cy="1017360"/>
+              </a:xfrm>
+              <a:prstGeom prst="line">
+                <a:avLst/>
+              </a:prstGeom>
+              <a:ln w="12700">
+                <a:solidFill>
+                  <a:srgbClr val="000000"/>
+                </a:solidFill>
+                <a:prstDash val="dash"/>
+              </a:ln>
+            </p:spPr>
+            <p:style>
+              <a:lnRef idx="1">
+                <a:schemeClr val="accent1"/>
+              </a:lnRef>
+              <a:fillRef idx="0">
+                <a:schemeClr val="accent1"/>
+              </a:fillRef>
+              <a:effectRef idx="0">
+                <a:schemeClr val="accent1"/>
+              </a:effectRef>
+              <a:fontRef idx="minor"/>
+            </p:style>
+          </p:sp>
+          <p:sp>
+            <p:nvSpPr>
+              <p:cNvPr id="73" name="Straight Connector 4"/>
+              <p:cNvSpPr/>
+              <p:nvPr/>
+            </p:nvSpPr>
+            <p:spPr>
+              <a:xfrm>
+                <a:off x="1839600" y="6878520"/>
+                <a:ext cx="2669760" cy="1272240"/>
+              </a:xfrm>
+              <a:prstGeom prst="line">
+                <a:avLst/>
+              </a:prstGeom>
+              <a:ln w="12700">
+                <a:solidFill>
+                  <a:srgbClr val="000000"/>
+                </a:solidFill>
+                <a:prstDash val="dash"/>
+              </a:ln>
+            </p:spPr>
+            <p:style>
+              <a:lnRef idx="1">
+                <a:schemeClr val="accent1"/>
+              </a:lnRef>
+              <a:fillRef idx="0">
+                <a:schemeClr val="accent1"/>
+              </a:fillRef>
+              <a:effectRef idx="0">
+                <a:schemeClr val="accent1"/>
+              </a:effectRef>
+              <a:fontRef idx="minor"/>
+            </p:style>
+          </p:sp>
+          <p:sp>
+            <p:nvSpPr>
+              <p:cNvPr id="74" name="Oval 17"/>
+              <p:cNvSpPr/>
+              <p:nvPr/>
+            </p:nvSpPr>
+            <p:spPr>
+              <a:xfrm>
+                <a:off x="358560" y="5430240"/>
+                <a:ext cx="2968920" cy="2925000"/>
+              </a:xfrm>
+              <a:prstGeom prst="ellipse">
+                <a:avLst/>
+              </a:prstGeom>
+              <a:noFill/>
+              <a:ln w="28575">
+                <a:solidFill>
+                  <a:srgbClr val="000000"/>
+                </a:solidFill>
+              </a:ln>
+            </p:spPr>
+            <p:style>
+              <a:lnRef idx="2">
+                <a:schemeClr val="accent1">
+                  <a:shade val="50000"/>
+                </a:schemeClr>
+              </a:lnRef>
+              <a:fillRef idx="1">
+                <a:schemeClr val="accent1"/>
+              </a:fillRef>
+              <a:effectRef idx="0">
+                <a:schemeClr val="accent1"/>
+              </a:effectRef>
+              <a:fontRef idx="minor"/>
+            </p:style>
+          </p:sp>
+          <p:sp>
+            <p:nvSpPr>
+              <p:cNvPr id="75" name="Oval 25"/>
+              <p:cNvSpPr/>
+              <p:nvPr/>
+            </p:nvSpPr>
+            <p:spPr>
+              <a:xfrm>
+                <a:off x="3813120" y="5384520"/>
+                <a:ext cx="2994120" cy="2974320"/>
+              </a:xfrm>
+              <a:prstGeom prst="ellipse">
+                <a:avLst/>
+              </a:prstGeom>
+              <a:noFill/>
+              <a:ln w="19050">
+                <a:solidFill>
+                  <a:srgbClr val="000000"/>
+                </a:solidFill>
+                <a:prstDash val="sysDash"/>
+              </a:ln>
+            </p:spPr>
+            <p:style>
+              <a:lnRef idx="2">
+                <a:schemeClr val="accent1">
+                  <a:shade val="50000"/>
+                </a:schemeClr>
+              </a:lnRef>
+              <a:fillRef idx="1">
+                <a:schemeClr val="accent1"/>
+              </a:fillRef>
+              <a:effectRef idx="0">
+                <a:schemeClr val="accent1"/>
+              </a:effectRef>
+              <a:fontRef idx="minor"/>
+            </p:style>
+          </p:sp>
+          <p:sp>
+            <p:nvSpPr>
+              <p:cNvPr id="76" name="Straight Connector 57"/>
+              <p:cNvSpPr/>
+              <p:nvPr/>
+            </p:nvSpPr>
+            <p:spPr>
+              <a:xfrm flipH="1">
+                <a:off x="5344200" y="6250680"/>
+                <a:ext cx="34920" cy="612360"/>
+              </a:xfrm>
+              <a:prstGeom prst="line">
+                <a:avLst/>
+              </a:prstGeom>
+              <a:ln w="38100">
+                <a:solidFill>
+                  <a:srgbClr val="FF00FF"/>
+                </a:solidFill>
+              </a:ln>
+            </p:spPr>
+            <p:style>
+              <a:lnRef idx="1">
+                <a:schemeClr val="accent1"/>
+              </a:lnRef>
+              <a:fillRef idx="0">
+                <a:schemeClr val="accent1"/>
+              </a:fillRef>
+              <a:effectRef idx="0">
+                <a:schemeClr val="accent1"/>
+              </a:effectRef>
+              <a:fontRef idx="minor"/>
+            </p:style>
+          </p:sp>
+          <p:sp>
+            <p:nvSpPr>
+              <p:cNvPr id="77" name="Right Arrow 32"/>
+              <p:cNvSpPr/>
+              <p:nvPr/>
+            </p:nvSpPr>
+            <p:spPr>
+              <a:xfrm rot="19933800">
+                <a:off x="4874760" y="6751440"/>
+                <a:ext cx="354240" cy="159480"/>
+              </a:xfrm>
+              <a:prstGeom prst="rightArrow">
+                <a:avLst>
+                  <a:gd name="adj1" fmla="val 50000"/>
+                  <a:gd name="adj2" fmla="val 50000"/>
+                </a:avLst>
+              </a:prstGeom>
+              <a:solidFill>
+                <a:srgbClr val="FF00FF"/>
+              </a:solidFill>
+              <a:ln>
+                <a:solidFill>
+                  <a:srgbClr val="FF00FF"/>
+                </a:solidFill>
+              </a:ln>
+            </p:spPr>
+            <p:style>
+              <a:lnRef idx="2">
+                <a:schemeClr val="accent1">
+                  <a:shade val="50000"/>
+                </a:schemeClr>
+              </a:lnRef>
+              <a:fillRef idx="1">
+                <a:schemeClr val="accent1"/>
+              </a:fillRef>
+              <a:effectRef idx="0">
+                <a:schemeClr val="accent1"/>
+              </a:effectRef>
+              <a:fontRef idx="minor"/>
+            </p:style>
+          </p:sp>
+          <p:sp>
+            <p:nvSpPr>
+              <p:cNvPr id="78" name="TextBox 8"/>
+              <p:cNvSpPr/>
+              <p:nvPr/>
+            </p:nvSpPr>
+            <p:spPr>
+              <a:xfrm>
+                <a:off x="1643040" y="8372520"/>
+                <a:ext cx="509760" cy="339840"/>
+              </a:xfrm>
+              <a:prstGeom prst="rect">
+                <a:avLst/>
+              </a:prstGeom>
+              <a:noFill/>
+              <a:ln w="0">
+                <a:noFill/>
+              </a:ln>
+            </p:spPr>
+            <p:style>
+              <a:lnRef idx="0">
+                <a:scrgbClr r="0" g="0" b="0"/>
+              </a:lnRef>
+              <a:fillRef idx="0">
+                <a:scrgbClr r="0" g="0" b="0"/>
+              </a:fillRef>
+              <a:effectRef idx="0">
+                <a:scrgbClr r="0" g="0" b="0"/>
+              </a:effectRef>
+              <a:fontRef idx="minor"/>
+            </p:style>
+            <p:txBody>
+              <a:bodyPr wrap="none" lIns="35640" tIns="17640" rIns="35640" bIns="17640" anchor="t">
+                <a:spAutoFit/>
+              </a:bodyPr>
+              <a:lstStyle/>
+              <a:p>
+                <a:pPr>
+                  <a:lnSpc>
+                    <a:spcPct val="100000"/>
+                  </a:lnSpc>
+                  <a:buNone/>
+                </a:pPr>
+                <a:r>
+                  <a:rPr lang="en-US" sz="2000" b="1" strike="noStrike" spc="-1">
+                    <a:solidFill>
+                      <a:srgbClr val="000000"/>
+                    </a:solidFill>
+                    <a:latin typeface="Arial"/>
+                    <a:ea typeface="DejaVu Sans"/>
+                  </a:rPr>
+                  <a:t>12h</a:t>
+                </a:r>
+                <a:endParaRPr lang="en-GB" sz="2000" b="0" strike="noStrike" spc="-1">
+                  <a:latin typeface="Arial"/>
+                </a:endParaRPr>
+              </a:p>
+            </p:txBody>
+          </p:sp>
+          <p:sp>
+            <p:nvSpPr>
+              <p:cNvPr id="79" name="TextBox 13"/>
+              <p:cNvSpPr/>
+              <p:nvPr/>
+            </p:nvSpPr>
+            <p:spPr>
+              <a:xfrm>
+                <a:off x="5065200" y="8384400"/>
+                <a:ext cx="497160" cy="339840"/>
+              </a:xfrm>
+              <a:prstGeom prst="rect">
+                <a:avLst/>
+              </a:prstGeom>
+              <a:noFill/>
+              <a:ln w="0">
+                <a:noFill/>
+              </a:ln>
+            </p:spPr>
+            <p:style>
+              <a:lnRef idx="0">
+                <a:scrgbClr r="0" g="0" b="0"/>
+              </a:lnRef>
+              <a:fillRef idx="0">
+                <a:scrgbClr r="0" g="0" b="0"/>
+              </a:fillRef>
+              <a:effectRef idx="0">
+                <a:scrgbClr r="0" g="0" b="0"/>
+              </a:effectRef>
+              <a:fontRef idx="minor"/>
+            </p:style>
+            <p:txBody>
+              <a:bodyPr wrap="none" lIns="35640" tIns="17640" rIns="35640" bIns="17640" anchor="t">
+                <a:spAutoFit/>
+              </a:bodyPr>
+              <a:lstStyle/>
+              <a:p>
+                <a:pPr>
+                  <a:lnSpc>
+                    <a:spcPct val="100000"/>
+                  </a:lnSpc>
+                  <a:buNone/>
+                </a:pPr>
+                <a:r>
+                  <a:rPr lang="en-US" sz="2000" b="1" strike="noStrike" spc="-1">
+                    <a:solidFill>
+                      <a:srgbClr val="000000"/>
+                    </a:solidFill>
+                    <a:latin typeface="Arial"/>
+                    <a:ea typeface="DejaVu Sans"/>
+                  </a:rPr>
+                  <a:t>80s</a:t>
+                </a:r>
+                <a:endParaRPr lang="en-GB" sz="2000" b="0" strike="noStrike" spc="-1">
+                  <a:latin typeface="Arial"/>
+                </a:endParaRPr>
+              </a:p>
+            </p:txBody>
+          </p:sp>
+          <p:sp>
+            <p:nvSpPr>
+              <p:cNvPr id="80" name="TextBox 8"/>
+              <p:cNvSpPr/>
+              <p:nvPr/>
+            </p:nvSpPr>
+            <p:spPr>
+              <a:xfrm>
+                <a:off x="2640600" y="5056200"/>
+                <a:ext cx="1761120" cy="339840"/>
+              </a:xfrm>
+              <a:prstGeom prst="rect">
+                <a:avLst/>
+              </a:prstGeom>
+              <a:noFill/>
+              <a:ln w="0">
+                <a:noFill/>
+              </a:ln>
+            </p:spPr>
+            <p:style>
+              <a:lnRef idx="0">
+                <a:scrgbClr r="0" g="0" b="0"/>
+              </a:lnRef>
+              <a:fillRef idx="0">
+                <a:scrgbClr r="0" g="0" b="0"/>
+              </a:fillRef>
+              <a:effectRef idx="0">
+                <a:scrgbClr r="0" g="0" b="0"/>
+              </a:effectRef>
+              <a:fontRef idx="minor"/>
+            </p:style>
+            <p:txBody>
+              <a:bodyPr wrap="none" lIns="35640" tIns="17640" rIns="35640" bIns="17640" anchor="t">
+                <a:spAutoFit/>
+              </a:bodyPr>
+              <a:lstStyle/>
+              <a:p>
+                <a:pPr>
+                  <a:lnSpc>
+                    <a:spcPct val="100000"/>
+                  </a:lnSpc>
+                  <a:buNone/>
+                </a:pPr>
+                <a:r>
+                  <a:rPr lang="en-US" sz="2000" b="1" strike="noStrike" spc="-1">
+                    <a:solidFill>
+                      <a:srgbClr val="000000"/>
+                    </a:solidFill>
+                    <a:latin typeface="Arial"/>
+                    <a:ea typeface="DejaVu Sans"/>
+                  </a:rPr>
+                  <a:t>Running Time</a:t>
+                </a:r>
+                <a:endParaRPr lang="en-GB" sz="2000" b="0" strike="noStrike" spc="-1">
+                  <a:latin typeface="Arial"/>
+                </a:endParaRPr>
+              </a:p>
+            </p:txBody>
+          </p:sp>
+          <p:sp>
+            <p:nvSpPr>
+              <p:cNvPr id="81" name="Oval 1"/>
+              <p:cNvSpPr/>
+              <p:nvPr/>
+            </p:nvSpPr>
+            <p:spPr>
+              <a:xfrm>
+                <a:off x="1757160" y="6520320"/>
+                <a:ext cx="171360" cy="356760"/>
+              </a:xfrm>
+              <a:prstGeom prst="ellipse">
+                <a:avLst/>
+              </a:prstGeom>
+              <a:noFill/>
+              <a:ln w="12700">
+                <a:solidFill>
+                  <a:srgbClr val="000000"/>
+                </a:solidFill>
+                <a:prstDash val="sysDash"/>
+              </a:ln>
+            </p:spPr>
+            <p:style>
+              <a:lnRef idx="2">
+                <a:schemeClr val="accent1">
+                  <a:shade val="50000"/>
+                </a:schemeClr>
+              </a:lnRef>
+              <a:fillRef idx="1">
+                <a:schemeClr val="accent1"/>
+              </a:fillRef>
+              <a:effectRef idx="0">
+                <a:schemeClr val="accent1"/>
+              </a:effectRef>
+              <a:fontRef idx="minor"/>
+            </p:style>
+          </p:sp>
+        </p:grpSp>
+        <p:sp>
+          <p:nvSpPr>
+            <p:cNvPr id="82" name="Straight Connector 57"/>
+            <p:cNvSpPr/>
+            <p:nvPr/>
+          </p:nvSpPr>
+          <p:spPr>
+            <a:xfrm flipH="1">
+              <a:off x="5375160" y="6250680"/>
+              <a:ext cx="34920" cy="612360"/>
+            </a:xfrm>
+            <a:prstGeom prst="line">
+              <a:avLst/>
+            </a:prstGeom>
+            <a:ln w="38100">
+              <a:solidFill>
+                <a:srgbClr val="FF00FF"/>
+              </a:solidFill>
+            </a:ln>
+          </p:spPr>
+          <p:style>
+            <a:lnRef idx="1">
+              <a:schemeClr val="accent1"/>
+            </a:lnRef>
+            <a:fillRef idx="0">
+              <a:schemeClr val="accent1"/>
+            </a:fillRef>
+            <a:effectRef idx="0">
+              <a:schemeClr val="accent1"/>
+            </a:effectRef>
+            <a:fontRef idx="minor"/>
+          </p:style>
+        </p:sp>
+      </p:grpSp>
+      <p:pic>
+        <p:nvPicPr>
+          <p:cNvPr id="83" name="Picture 82"/>
+          <p:cNvPicPr/>
+          <p:nvPr/>
+        </p:nvPicPr>
+        <p:blipFill>
+          <a:blip r:embed="rId12"/>
+          <a:stretch/>
+        </p:blipFill>
         <p:spPr>
           <a:xfrm>
-            <a:off x="1757160" y="6401520"/>
-            <a:ext cx="172440" cy="476640"/>
-          </a:xfrm>
-          <a:prstGeom prst="ellipse">
+            <a:off x="180" y="573000"/>
+            <a:ext cx="7200720" cy="3954240"/>
+          </a:xfrm>
+          <a:prstGeom prst="rect">
             <a:avLst/>
           </a:prstGeom>
-          <a:noFill/>
-          <a:ln w="12700">
-            <a:solidFill>
-              <a:srgbClr val="000000"/>
-            </a:solidFill>
-            <a:prstDash val="sysDash"/>
+          <a:ln w="0">
+            <a:noFill/>
           </a:ln>
         </p:spPr>
-        <p:style>
-          <a:lnRef idx="2">
-            <a:schemeClr val="accent1">
-              <a:shade val="50000"/>
-            </a:schemeClr>
-          </a:lnRef>
-          <a:fillRef idx="1">
-            <a:schemeClr val="accent1"/>
-          </a:fillRef>
-          <a:effectRef idx="0">
-            <a:schemeClr val="accent1"/>
-          </a:effectRef>
-          <a:fontRef idx="minor"/>
-        </p:style>
-      </p:sp>
+      </p:pic>
     </p:spTree>
   </p:cSld>
-  <mc:AlternateContent>
+  <p:clrMapOvr>
+    <a:masterClrMapping/>
+  </p:clrMapOvr>
+  <mc:AlternateContent xmlns:mc="http://schemas.openxmlformats.org/markup-compatibility/2006" xmlns:p14="http://schemas.microsoft.com/office/powerpoint/2010/main">
     <mc:Choice Requires="p14">
       <p:transition spd="slow" p14:dur="2000"/>
     </mc:Choice>
-    <mc:Fallback>
+    <mc:Fallback xmlns:p15="http://schemas.microsoft.com/office/powerpoint/2012/main" xmlns="">
       <p:transition spd="slow"/>
     </mc:Fallback>
   </mc:AlternateContent>
@@ -4479,31 +4651,31 @@
         <a:sysClr val="window" lastClr="FFFFFF"/>
       </a:lt1>
       <a:dk2>
-        <a:srgbClr val="1f497d"/>
+        <a:srgbClr val="1F497D"/>
       </a:dk2>
       <a:lt2>
-        <a:srgbClr val="eeece1"/>
+        <a:srgbClr val="EEECE1"/>
       </a:lt2>
       <a:accent1>
-        <a:srgbClr val="4f81bd"/>
+        <a:srgbClr val="4F81BD"/>
       </a:accent1>
       <a:accent2>
-        <a:srgbClr val="c0504d"/>
+        <a:srgbClr val="C0504D"/>
       </a:accent2>
       <a:accent3>
-        <a:srgbClr val="9bbb59"/>
+        <a:srgbClr val="9BBB59"/>
       </a:accent3>
       <a:accent4>
-        <a:srgbClr val="8064a2"/>
+        <a:srgbClr val="8064A2"/>
       </a:accent4>
       <a:accent5>
-        <a:srgbClr val="4bacc6"/>
+        <a:srgbClr val="4BACC6"/>
       </a:accent5>
       <a:accent6>
-        <a:srgbClr val="f79646"/>
+        <a:srgbClr val="F79646"/>
       </a:accent6>
       <a:hlink>
-        <a:srgbClr val="0000ff"/>
+        <a:srgbClr val="0000FF"/>
       </a:hlink>
       <a:folHlink>
         <a:srgbClr val="800080"/>
@@ -4691,5 +4863,7 @@
       </a:bgFillStyleLst>
     </a:fmtScheme>
   </a:themeElements>
+  <a:objectDefaults/>
+  <a:extraClrSchemeLst/>
 </a:theme>
 </file>